--- a/img/codelodex_createlogo.pptx
+++ b/img/codelodex_createlogo.pptx
@@ -2,11 +2,12 @@
 <file path=ppt/presentation.xml><?xml version="1.0" encoding="utf-8"?>
 <p:presentation xmlns:a="http://schemas.openxmlformats.org/drawingml/2006/main" xmlns:r="http://schemas.openxmlformats.org/officeDocument/2006/relationships" xmlns:p="http://schemas.openxmlformats.org/presentationml/2006/main" saveSubsetFonts="1">
   <p:sldMasterIdLst>
-    <p:sldMasterId id="2147483660" r:id="rId1"/>
+    <p:sldMasterId id="2147483672" r:id="rId1"/>
   </p:sldMasterIdLst>
   <p:sldIdLst>
     <p:sldId id="256" r:id="rId2"/>
-    <p:sldId id="257" r:id="rId3"/>
+    <p:sldId id="258" r:id="rId3"/>
+    <p:sldId id="257" r:id="rId4"/>
   </p:sldIdLst>
   <p:sldSz cx="12192000" cy="6858000"/>
   <p:notesSz cx="6858000" cy="9144000"/>
@@ -105,6 +106,11 @@
       </a:defRPr>
     </a:lvl9pPr>
   </p:defaultTextStyle>
+  <p:extLst>
+    <p:ext uri="{EFAFB233-063F-42B5-8137-9DF3F51BA10A}">
+      <p15:sldGuideLst xmlns:p15="http://schemas.microsoft.com/office/powerpoint/2012/main"/>
+    </p:ext>
+  </p:extLst>
 </p:presentation>
 </file>
 
@@ -127,205 +133,69 @@
       </p:grpSpPr>
       <p:sp>
         <p:nvSpPr>
-          <p:cNvPr id="7" name="Freeform: Shape 6">
-            <a:extLst>
-              <a:ext uri="{FF2B5EF4-FFF2-40B4-BE49-F238E27FC236}">
-                <a16:creationId xmlns:a16="http://schemas.microsoft.com/office/drawing/2014/main" id="{EA67E988-5919-57BB-C7DE-D3EAD38A3045}"/>
-              </a:ext>
-              <a:ext uri="{C183D7F6-B498-43B3-948B-1728B52AA6E4}">
-                <adec:decorative xmlns:adec="http://schemas.microsoft.com/office/drawing/2017/decorative" val="1"/>
-              </a:ext>
-            </a:extLst>
-          </p:cNvPr>
-          <p:cNvSpPr/>
-          <p:nvPr/>
+          <p:cNvPr id="2" name="Title 1">
+            <a:extLst>
+              <a:ext uri="{FF2B5EF4-FFF2-40B4-BE49-F238E27FC236}">
+                <a16:creationId xmlns:a16="http://schemas.microsoft.com/office/drawing/2014/main" id="{D0DF3A8D-588D-E9B8-320F-AC087FF5639F}"/>
+              </a:ext>
+            </a:extLst>
+          </p:cNvPr>
+          <p:cNvSpPr>
+            <a:spLocks noGrp="1"/>
+          </p:cNvSpPr>
+          <p:nvPr>
+            <p:ph type="ctrTitle"/>
+          </p:nvPr>
         </p:nvSpPr>
         <p:spPr>
           <a:xfrm>
-            <a:off x="517870" y="6209925"/>
-            <a:ext cx="11155680" cy="45719"/>
+            <a:off x="1524000" y="1122363"/>
+            <a:ext cx="9144000" cy="2387600"/>
           </a:xfrm>
-          <a:custGeom>
-            <a:avLst/>
-            <a:gdLst>
-              <a:gd name="connsiteX0" fmla="*/ 0 w 8715708"/>
-              <a:gd name="connsiteY0" fmla="*/ 0 h 45719"/>
-              <a:gd name="connsiteX1" fmla="*/ 3694525 w 8715708"/>
-              <a:gd name="connsiteY1" fmla="*/ 0 h 45719"/>
-              <a:gd name="connsiteX2" fmla="*/ 5021183 w 8715708"/>
-              <a:gd name="connsiteY2" fmla="*/ 0 h 45719"/>
-              <a:gd name="connsiteX3" fmla="*/ 8715708 w 8715708"/>
-              <a:gd name="connsiteY3" fmla="*/ 0 h 45719"/>
-              <a:gd name="connsiteX4" fmla="*/ 8715708 w 8715708"/>
-              <a:gd name="connsiteY4" fmla="*/ 45719 h 45719"/>
-              <a:gd name="connsiteX5" fmla="*/ 5021183 w 8715708"/>
-              <a:gd name="connsiteY5" fmla="*/ 45719 h 45719"/>
-              <a:gd name="connsiteX6" fmla="*/ 3694525 w 8715708"/>
-              <a:gd name="connsiteY6" fmla="*/ 45719 h 45719"/>
-              <a:gd name="connsiteX7" fmla="*/ 0 w 8715708"/>
-              <a:gd name="connsiteY7" fmla="*/ 45719 h 45719"/>
-            </a:gdLst>
-            <a:ahLst/>
-            <a:cxnLst>
-              <a:cxn ang="0">
-                <a:pos x="connsiteX0" y="connsiteY0"/>
-              </a:cxn>
-              <a:cxn ang="0">
-                <a:pos x="connsiteX1" y="connsiteY1"/>
-              </a:cxn>
-              <a:cxn ang="0">
-                <a:pos x="connsiteX2" y="connsiteY2"/>
-              </a:cxn>
-              <a:cxn ang="0">
-                <a:pos x="connsiteX3" y="connsiteY3"/>
-              </a:cxn>
-              <a:cxn ang="0">
-                <a:pos x="connsiteX4" y="connsiteY4"/>
-              </a:cxn>
-              <a:cxn ang="0">
-                <a:pos x="connsiteX5" y="connsiteY5"/>
-              </a:cxn>
-              <a:cxn ang="0">
-                <a:pos x="connsiteX6" y="connsiteY6"/>
-              </a:cxn>
-              <a:cxn ang="0">
-                <a:pos x="connsiteX7" y="connsiteY7"/>
-              </a:cxn>
-            </a:cxnLst>
-            <a:rect l="l" t="t" r="r" b="b"/>
-            <a:pathLst>
-              <a:path w="8715708" h="45719">
-                <a:moveTo>
-                  <a:pt x="0" y="0"/>
-                </a:moveTo>
-                <a:lnTo>
-                  <a:pt x="3694525" y="0"/>
-                </a:lnTo>
-                <a:lnTo>
-                  <a:pt x="5021183" y="0"/>
-                </a:lnTo>
-                <a:lnTo>
-                  <a:pt x="8715708" y="0"/>
-                </a:lnTo>
-                <a:lnTo>
-                  <a:pt x="8715708" y="45719"/>
-                </a:lnTo>
-                <a:lnTo>
-                  <a:pt x="5021183" y="45719"/>
-                </a:lnTo>
-                <a:lnTo>
-                  <a:pt x="3694525" y="45719"/>
-                </a:lnTo>
-                <a:lnTo>
-                  <a:pt x="0" y="45719"/>
-                </a:lnTo>
-                <a:close/>
-              </a:path>
-            </a:pathLst>
-          </a:custGeom>
-          <a:solidFill>
-            <a:schemeClr val="tx1"/>
-          </a:solidFill>
-          <a:ln>
-            <a:noFill/>
-          </a:ln>
         </p:spPr>
-        <p:style>
-          <a:lnRef idx="2">
-            <a:schemeClr val="accent1">
-              <a:shade val="50000"/>
-            </a:schemeClr>
-          </a:lnRef>
-          <a:fillRef idx="1">
-            <a:schemeClr val="accent1"/>
-          </a:fillRef>
-          <a:effectRef idx="0">
-            <a:schemeClr val="accent1"/>
-          </a:effectRef>
-          <a:fontRef idx="minor">
-            <a:schemeClr val="lt1"/>
-          </a:fontRef>
-        </p:style>
-        <p:txBody>
-          <a:bodyPr wrap="square" rtlCol="0" anchor="ctr">
-            <a:noAutofit/>
-          </a:bodyPr>
-          <a:lstStyle/>
-          <a:p>
-            <a:pPr algn="ctr"/>
-            <a:endParaRPr lang="en-US"/>
-          </a:p>
-        </p:txBody>
-      </p:sp>
-      <p:sp>
-        <p:nvSpPr>
-          <p:cNvPr id="2" name="Title 1">
-            <a:extLst>
-              <a:ext uri="{FF2B5EF4-FFF2-40B4-BE49-F238E27FC236}">
-                <a16:creationId xmlns:a16="http://schemas.microsoft.com/office/drawing/2014/main" id="{5B2327B2-BA4B-2C04-0751-5CB63D4AA425}"/>
-              </a:ext>
-            </a:extLst>
-          </p:cNvPr>
-          <p:cNvSpPr>
-            <a:spLocks noGrp="1"/>
-          </p:cNvSpPr>
-          <p:nvPr>
-            <p:ph type="ctrTitle"/>
+        <p:txBody>
+          <a:bodyPr anchor="b"/>
+          <a:lstStyle>
+            <a:lvl1pPr algn="ctr">
+              <a:defRPr sz="6000"/>
+            </a:lvl1pPr>
+          </a:lstStyle>
+          <a:p>
+            <a:r>
+              <a:rPr lang="en-US"/>
+              <a:t>Click to edit Master title style</a:t>
+            </a:r>
+          </a:p>
+        </p:txBody>
+      </p:sp>
+      <p:sp>
+        <p:nvSpPr>
+          <p:cNvPr id="3" name="Subtitle 2">
+            <a:extLst>
+              <a:ext uri="{FF2B5EF4-FFF2-40B4-BE49-F238E27FC236}">
+                <a16:creationId xmlns:a16="http://schemas.microsoft.com/office/drawing/2014/main" id="{D9A5D334-91E5-8EFD-9B61-5B875D407E51}"/>
+              </a:ext>
+            </a:extLst>
+          </p:cNvPr>
+          <p:cNvSpPr>
+            <a:spLocks noGrp="1"/>
+          </p:cNvSpPr>
+          <p:nvPr>
+            <p:ph type="subTitle" idx="1"/>
           </p:nvPr>
         </p:nvSpPr>
         <p:spPr>
           <a:xfrm>
-            <a:off x="521208" y="978408"/>
-            <a:ext cx="11155680" cy="3429000"/>
+            <a:off x="1524000" y="3602038"/>
+            <a:ext cx="9144000" cy="1655762"/>
           </a:xfrm>
         </p:spPr>
         <p:txBody>
-          <a:bodyPr anchor="t">
-            <a:normAutofit/>
-          </a:bodyPr>
+          <a:bodyPr/>
           <a:lstStyle>
-            <a:lvl1pPr algn="l">
-              <a:defRPr sz="7200"/>
-            </a:lvl1pPr>
-          </a:lstStyle>
-          <a:p>
-            <a:r>
-              <a:rPr lang="en-US" dirty="0"/>
-              <a:t>Click to edit Master title style</a:t>
-            </a:r>
-          </a:p>
-        </p:txBody>
-      </p:sp>
-      <p:sp>
-        <p:nvSpPr>
-          <p:cNvPr id="3" name="Subtitle 2">
-            <a:extLst>
-              <a:ext uri="{FF2B5EF4-FFF2-40B4-BE49-F238E27FC236}">
-                <a16:creationId xmlns:a16="http://schemas.microsoft.com/office/drawing/2014/main" id="{E7201176-DC7A-4C3D-3D8F-352526DA7B5D}"/>
-              </a:ext>
-            </a:extLst>
-          </p:cNvPr>
-          <p:cNvSpPr>
-            <a:spLocks noGrp="1"/>
-          </p:cNvSpPr>
-          <p:nvPr>
-            <p:ph type="subTitle" idx="1"/>
-          </p:nvPr>
-        </p:nvSpPr>
-        <p:spPr>
-          <a:xfrm>
-            <a:off x="521208" y="4480560"/>
-            <a:ext cx="7104888" cy="1399032"/>
-          </a:xfrm>
-        </p:spPr>
-        <p:txBody>
-          <a:bodyPr anchor="b">
-            <a:normAutofit/>
-          </a:bodyPr>
-          <a:lstStyle>
-            <a:lvl1pPr marL="0" indent="0" algn="l">
-              <a:buNone/>
-              <a:defRPr sz="2200" i="1"/>
+            <a:lvl1pPr marL="0" indent="0" algn="ctr">
+              <a:buNone/>
+              <a:defRPr sz="2400"/>
             </a:lvl1pPr>
             <a:lvl2pPr marL="457200" indent="0" algn="ctr">
               <a:buNone/>
@@ -373,7 +243,7 @@
           <p:cNvPr id="4" name="Date Placeholder 3">
             <a:extLst>
               <a:ext uri="{FF2B5EF4-FFF2-40B4-BE49-F238E27FC236}">
-                <a16:creationId xmlns:a16="http://schemas.microsoft.com/office/drawing/2014/main" id="{C67DC221-9A2E-7459-102F-C3CFB27CC389}"/>
+                <a16:creationId xmlns:a16="http://schemas.microsoft.com/office/drawing/2014/main" id="{AB4F5265-E345-2389-928D-B18A07E6CB0F}"/>
               </a:ext>
             </a:extLst>
           </p:cNvPr>
@@ -391,7 +261,7 @@
           <a:p>
             <a:fld id="{E80C50CD-E178-4744-9B35-B2F624D6C5E9}" type="datetimeFigureOut">
               <a:rPr lang="en-US" smtClean="0"/>
-              <a:t>7/6/2025</a:t>
+              <a:t>7/7/2025</a:t>
             </a:fld>
             <a:endParaRPr lang="en-US"/>
           </a:p>
@@ -402,7 +272,7 @@
           <p:cNvPr id="5" name="Footer Placeholder 4">
             <a:extLst>
               <a:ext uri="{FF2B5EF4-FFF2-40B4-BE49-F238E27FC236}">
-                <a16:creationId xmlns:a16="http://schemas.microsoft.com/office/drawing/2014/main" id="{A5020671-6F7D-3A03-EEC1-661A87F96F40}"/>
+                <a16:creationId xmlns:a16="http://schemas.microsoft.com/office/drawing/2014/main" id="{46E9E7C6-FE7C-B18C-971B-8B779D08F84A}"/>
               </a:ext>
             </a:extLst>
           </p:cNvPr>
@@ -427,7 +297,7 @@
           <p:cNvPr id="6" name="Slide Number Placeholder 5">
             <a:extLst>
               <a:ext uri="{FF2B5EF4-FFF2-40B4-BE49-F238E27FC236}">
-                <a16:creationId xmlns:a16="http://schemas.microsoft.com/office/drawing/2014/main" id="{F2453D3A-E0F9-8386-2A6C-96671FBB15A5}"/>
+                <a16:creationId xmlns:a16="http://schemas.microsoft.com/office/drawing/2014/main" id="{4342791D-81A3-7536-28F6-D8680BC457CC}"/>
               </a:ext>
             </a:extLst>
           </p:cNvPr>
@@ -454,7 +324,7 @@
     </p:spTree>
     <p:extLst>
       <p:ext uri="{BB962C8B-B14F-4D97-AF65-F5344CB8AC3E}">
-        <p14:creationId xmlns:p14="http://schemas.microsoft.com/office/powerpoint/2010/main" val="943970257"/>
+        <p14:creationId xmlns:p14="http://schemas.microsoft.com/office/powerpoint/2010/main" val="3449079486"/>
       </p:ext>
     </p:extLst>
   </p:cSld>
@@ -486,7 +356,7 @@
           <p:cNvPr id="2" name="Title 1">
             <a:extLst>
               <a:ext uri="{FF2B5EF4-FFF2-40B4-BE49-F238E27FC236}">
-                <a16:creationId xmlns:a16="http://schemas.microsoft.com/office/drawing/2014/main" id="{36C36771-E72D-FAD8-771E-3E196DD2E1C8}"/>
+                <a16:creationId xmlns:a16="http://schemas.microsoft.com/office/drawing/2014/main" id="{4CEC1432-D1BB-A287-863E-9C9711C91DB6}"/>
               </a:ext>
             </a:extLst>
           </p:cNvPr>
@@ -514,7 +384,7 @@
           <p:cNvPr id="3" name="Vertical Text Placeholder 2">
             <a:extLst>
               <a:ext uri="{FF2B5EF4-FFF2-40B4-BE49-F238E27FC236}">
-                <a16:creationId xmlns:a16="http://schemas.microsoft.com/office/drawing/2014/main" id="{DB5BB827-257D-60D9-792F-E69590042971}"/>
+                <a16:creationId xmlns:a16="http://schemas.microsoft.com/office/drawing/2014/main" id="{2D9EEBBF-5F75-D2CE-ED9C-99E97592B6C9}"/>
               </a:ext>
             </a:extLst>
           </p:cNvPr>
@@ -571,7 +441,7 @@
           <p:cNvPr id="4" name="Date Placeholder 3">
             <a:extLst>
               <a:ext uri="{FF2B5EF4-FFF2-40B4-BE49-F238E27FC236}">
-                <a16:creationId xmlns:a16="http://schemas.microsoft.com/office/drawing/2014/main" id="{2CE5D2E7-C856-F78A-E88C-375474982A5F}"/>
+                <a16:creationId xmlns:a16="http://schemas.microsoft.com/office/drawing/2014/main" id="{968A9C75-10FC-0FDC-B434-66DB5BB12014}"/>
               </a:ext>
             </a:extLst>
           </p:cNvPr>
@@ -589,7 +459,7 @@
           <a:p>
             <a:fld id="{E80C50CD-E178-4744-9B35-B2F624D6C5E9}" type="datetimeFigureOut">
               <a:rPr lang="en-US" smtClean="0"/>
-              <a:t>7/6/2025</a:t>
+              <a:t>7/7/2025</a:t>
             </a:fld>
             <a:endParaRPr lang="en-US"/>
           </a:p>
@@ -600,7 +470,7 @@
           <p:cNvPr id="5" name="Footer Placeholder 4">
             <a:extLst>
               <a:ext uri="{FF2B5EF4-FFF2-40B4-BE49-F238E27FC236}">
-                <a16:creationId xmlns:a16="http://schemas.microsoft.com/office/drawing/2014/main" id="{0FDAB289-9591-51C9-9E3C-B6F2ACC6A62A}"/>
+                <a16:creationId xmlns:a16="http://schemas.microsoft.com/office/drawing/2014/main" id="{C6B75F46-C1C2-B7FD-1264-AA1B5217C2C7}"/>
               </a:ext>
             </a:extLst>
           </p:cNvPr>
@@ -625,7 +495,7 @@
           <p:cNvPr id="6" name="Slide Number Placeholder 5">
             <a:extLst>
               <a:ext uri="{FF2B5EF4-FFF2-40B4-BE49-F238E27FC236}">
-                <a16:creationId xmlns:a16="http://schemas.microsoft.com/office/drawing/2014/main" id="{27FE037C-790D-7442-8E43-D2740B3952B1}"/>
+                <a16:creationId xmlns:a16="http://schemas.microsoft.com/office/drawing/2014/main" id="{844A83AB-BD1C-7C9C-783A-5DCE901F1D93}"/>
               </a:ext>
             </a:extLst>
           </p:cNvPr>
@@ -652,7 +522,7 @@
     </p:spTree>
     <p:extLst>
       <p:ext uri="{BB962C8B-B14F-4D97-AF65-F5344CB8AC3E}">
-        <p14:creationId xmlns:p14="http://schemas.microsoft.com/office/powerpoint/2010/main" val="1369028523"/>
+        <p14:creationId xmlns:p14="http://schemas.microsoft.com/office/powerpoint/2010/main" val="1734685250"/>
       </p:ext>
     </p:extLst>
   </p:cSld>
@@ -684,7 +554,7 @@
           <p:cNvPr id="2" name="Vertical Title 1">
             <a:extLst>
               <a:ext uri="{FF2B5EF4-FFF2-40B4-BE49-F238E27FC236}">
-                <a16:creationId xmlns:a16="http://schemas.microsoft.com/office/drawing/2014/main" id="{C2635151-A38B-3766-6A32-FF1DF7687D9F}"/>
+                <a16:creationId xmlns:a16="http://schemas.microsoft.com/office/drawing/2014/main" id="{8F71AB5A-5A51-A7BD-A321-9569A195312A}"/>
               </a:ext>
             </a:extLst>
           </p:cNvPr>
@@ -697,8 +567,8 @@
         </p:nvSpPr>
         <p:spPr>
           <a:xfrm>
-            <a:off x="8659368" y="978408"/>
-            <a:ext cx="2551176" cy="5367528"/>
+            <a:off x="8724900" y="365125"/>
+            <a:ext cx="2628900" cy="5811838"/>
           </a:xfrm>
         </p:spPr>
         <p:txBody>
@@ -706,7 +576,7 @@
           <a:lstStyle/>
           <a:p>
             <a:r>
-              <a:rPr lang="en-US" dirty="0"/>
+              <a:rPr lang="en-US"/>
               <a:t>Click to edit Master title style</a:t>
             </a:r>
           </a:p>
@@ -717,7 +587,7 @@
           <p:cNvPr id="3" name="Vertical Text Placeholder 2">
             <a:extLst>
               <a:ext uri="{FF2B5EF4-FFF2-40B4-BE49-F238E27FC236}">
-                <a16:creationId xmlns:a16="http://schemas.microsoft.com/office/drawing/2014/main" id="{33D132D1-640C-FB9A-AD6F-D845738349F6}"/>
+                <a16:creationId xmlns:a16="http://schemas.microsoft.com/office/drawing/2014/main" id="{0C10BA02-B4F3-D0F0-3C56-7CA0E9BC4FD9}"/>
               </a:ext>
             </a:extLst>
           </p:cNvPr>
@@ -730,8 +600,8 @@
         </p:nvSpPr>
         <p:spPr>
           <a:xfrm>
-            <a:off x="521208" y="978408"/>
-            <a:ext cx="8010144" cy="5367528"/>
+            <a:off x="838200" y="365125"/>
+            <a:ext cx="7734300" cy="5811838"/>
           </a:xfrm>
         </p:spPr>
         <p:txBody>
@@ -740,35 +610,35 @@
           <a:p>
             <a:pPr lvl="0"/>
             <a:r>
-              <a:rPr lang="en-US" dirty="0"/>
+              <a:rPr lang="en-US"/>
               <a:t>Click to edit Master text styles</a:t>
             </a:r>
           </a:p>
           <a:p>
             <a:pPr lvl="1"/>
             <a:r>
-              <a:rPr lang="en-US" dirty="0"/>
+              <a:rPr lang="en-US"/>
               <a:t>Second level</a:t>
             </a:r>
           </a:p>
           <a:p>
             <a:pPr lvl="2"/>
             <a:r>
-              <a:rPr lang="en-US" dirty="0"/>
+              <a:rPr lang="en-US"/>
               <a:t>Third level</a:t>
             </a:r>
           </a:p>
           <a:p>
             <a:pPr lvl="3"/>
             <a:r>
-              <a:rPr lang="en-US" dirty="0"/>
+              <a:rPr lang="en-US"/>
               <a:t>Fourth level</a:t>
             </a:r>
           </a:p>
           <a:p>
             <a:pPr lvl="4"/>
             <a:r>
-              <a:rPr lang="en-US" dirty="0"/>
+              <a:rPr lang="en-US"/>
               <a:t>Fifth level</a:t>
             </a:r>
           </a:p>
@@ -779,7 +649,7 @@
           <p:cNvPr id="4" name="Date Placeholder 3">
             <a:extLst>
               <a:ext uri="{FF2B5EF4-FFF2-40B4-BE49-F238E27FC236}">
-                <a16:creationId xmlns:a16="http://schemas.microsoft.com/office/drawing/2014/main" id="{6955F80A-4BA7-8ED8-9A62-B92194272620}"/>
+                <a16:creationId xmlns:a16="http://schemas.microsoft.com/office/drawing/2014/main" id="{5DAA884F-6322-6FD2-2EAC-5D519CC00580}"/>
               </a:ext>
             </a:extLst>
           </p:cNvPr>
@@ -797,7 +667,7 @@
           <a:p>
             <a:fld id="{E80C50CD-E178-4744-9B35-B2F624D6C5E9}" type="datetimeFigureOut">
               <a:rPr lang="en-US" smtClean="0"/>
-              <a:t>7/6/2025</a:t>
+              <a:t>7/7/2025</a:t>
             </a:fld>
             <a:endParaRPr lang="en-US"/>
           </a:p>
@@ -808,7 +678,7 @@
           <p:cNvPr id="5" name="Footer Placeholder 4">
             <a:extLst>
               <a:ext uri="{FF2B5EF4-FFF2-40B4-BE49-F238E27FC236}">
-                <a16:creationId xmlns:a16="http://schemas.microsoft.com/office/drawing/2014/main" id="{85E38113-D55A-A1A0-D1FE-53C95860FB63}"/>
+                <a16:creationId xmlns:a16="http://schemas.microsoft.com/office/drawing/2014/main" id="{54061B4F-6032-8A6A-84C4-829DDAE27C7F}"/>
               </a:ext>
             </a:extLst>
           </p:cNvPr>
@@ -833,7 +703,7 @@
           <p:cNvPr id="6" name="Slide Number Placeholder 5">
             <a:extLst>
               <a:ext uri="{FF2B5EF4-FFF2-40B4-BE49-F238E27FC236}">
-                <a16:creationId xmlns:a16="http://schemas.microsoft.com/office/drawing/2014/main" id="{68919DDB-F89D-4B2D-21A2-82AF1D1023E4}"/>
+                <a16:creationId xmlns:a16="http://schemas.microsoft.com/office/drawing/2014/main" id="{94DEFF40-B1F4-8773-41F3-5F9AAA3D349C}"/>
               </a:ext>
             </a:extLst>
           </p:cNvPr>
@@ -857,62 +727,10 @@
           </a:p>
         </p:txBody>
       </p:sp>
-      <p:sp>
-        <p:nvSpPr>
-          <p:cNvPr id="7" name="Rectangle 6">
-            <a:extLst>
-              <a:ext uri="{FF2B5EF4-FFF2-40B4-BE49-F238E27FC236}">
-                <a16:creationId xmlns:a16="http://schemas.microsoft.com/office/drawing/2014/main" id="{262572D8-D485-1DB1-34B1-C35C61C89940}"/>
-              </a:ext>
-            </a:extLst>
-          </p:cNvPr>
-          <p:cNvSpPr/>
-          <p:nvPr/>
-        </p:nvSpPr>
-        <p:spPr>
-          <a:xfrm rot="5400000">
-            <a:off x="8936623" y="3585018"/>
-            <a:ext cx="5325734" cy="149279"/>
-          </a:xfrm>
-          <a:prstGeom prst="rect">
-            <a:avLst/>
-          </a:prstGeom>
-          <a:solidFill>
-            <a:schemeClr val="tx1"/>
-          </a:solidFill>
-          <a:ln>
-            <a:noFill/>
-          </a:ln>
-        </p:spPr>
-        <p:style>
-          <a:lnRef idx="2">
-            <a:schemeClr val="accent1">
-              <a:shade val="50000"/>
-            </a:schemeClr>
-          </a:lnRef>
-          <a:fillRef idx="1">
-            <a:schemeClr val="accent1"/>
-          </a:fillRef>
-          <a:effectRef idx="0">
-            <a:schemeClr val="accent1"/>
-          </a:effectRef>
-          <a:fontRef idx="minor">
-            <a:schemeClr val="lt1"/>
-          </a:fontRef>
-        </p:style>
-        <p:txBody>
-          <a:bodyPr rtlCol="0" anchor="ctr"/>
-          <a:lstStyle/>
-          <a:p>
-            <a:pPr algn="ctr"/>
-            <a:endParaRPr lang="en-US"/>
-          </a:p>
-        </p:txBody>
-      </p:sp>
     </p:spTree>
     <p:extLst>
       <p:ext uri="{BB962C8B-B14F-4D97-AF65-F5344CB8AC3E}">
-        <p14:creationId xmlns:p14="http://schemas.microsoft.com/office/powerpoint/2010/main" val="2708816150"/>
+        <p14:creationId xmlns:p14="http://schemas.microsoft.com/office/powerpoint/2010/main" val="3485386821"/>
       </p:ext>
     </p:extLst>
   </p:cSld>
@@ -944,7 +762,7 @@
           <p:cNvPr id="2" name="Title 1">
             <a:extLst>
               <a:ext uri="{FF2B5EF4-FFF2-40B4-BE49-F238E27FC236}">
-                <a16:creationId xmlns:a16="http://schemas.microsoft.com/office/drawing/2014/main" id="{6FA26D03-149A-DAB3-4B2A-E9B74F2E2514}"/>
+                <a16:creationId xmlns:a16="http://schemas.microsoft.com/office/drawing/2014/main" id="{3E374430-BA13-60A8-7BD0-7045C8B36FA2}"/>
               </a:ext>
             </a:extLst>
           </p:cNvPr>
@@ -972,7 +790,7 @@
           <p:cNvPr id="3" name="Content Placeholder 2">
             <a:extLst>
               <a:ext uri="{FF2B5EF4-FFF2-40B4-BE49-F238E27FC236}">
-                <a16:creationId xmlns:a16="http://schemas.microsoft.com/office/drawing/2014/main" id="{23C1E73D-41A7-9934-0990-9208B952329C}"/>
+                <a16:creationId xmlns:a16="http://schemas.microsoft.com/office/drawing/2014/main" id="{9F63A32F-1FD7-485F-B3E0-7252BF32B0BD}"/>
               </a:ext>
             </a:extLst>
           </p:cNvPr>
@@ -1029,7 +847,7 @@
           <p:cNvPr id="4" name="Date Placeholder 3">
             <a:extLst>
               <a:ext uri="{FF2B5EF4-FFF2-40B4-BE49-F238E27FC236}">
-                <a16:creationId xmlns:a16="http://schemas.microsoft.com/office/drawing/2014/main" id="{F8BB2A3F-E719-673C-5D56-F663712D0E7F}"/>
+                <a16:creationId xmlns:a16="http://schemas.microsoft.com/office/drawing/2014/main" id="{D20FE28C-B966-2281-FC83-727795A197A5}"/>
               </a:ext>
             </a:extLst>
           </p:cNvPr>
@@ -1047,7 +865,7 @@
           <a:p>
             <a:fld id="{E80C50CD-E178-4744-9B35-B2F624D6C5E9}" type="datetimeFigureOut">
               <a:rPr lang="en-US" smtClean="0"/>
-              <a:t>7/6/2025</a:t>
+              <a:t>7/7/2025</a:t>
             </a:fld>
             <a:endParaRPr lang="en-US"/>
           </a:p>
@@ -1058,7 +876,7 @@
           <p:cNvPr id="5" name="Footer Placeholder 4">
             <a:extLst>
               <a:ext uri="{FF2B5EF4-FFF2-40B4-BE49-F238E27FC236}">
-                <a16:creationId xmlns:a16="http://schemas.microsoft.com/office/drawing/2014/main" id="{04AE594A-52F5-D85E-343C-ADFEE3C72E00}"/>
+                <a16:creationId xmlns:a16="http://schemas.microsoft.com/office/drawing/2014/main" id="{BAA13A4F-E842-23AC-99AD-5834AF649D50}"/>
               </a:ext>
             </a:extLst>
           </p:cNvPr>
@@ -1083,7 +901,7 @@
           <p:cNvPr id="6" name="Slide Number Placeholder 5">
             <a:extLst>
               <a:ext uri="{FF2B5EF4-FFF2-40B4-BE49-F238E27FC236}">
-                <a16:creationId xmlns:a16="http://schemas.microsoft.com/office/drawing/2014/main" id="{207D5C9C-B2E2-FC26-E459-9E880EF975BA}"/>
+                <a16:creationId xmlns:a16="http://schemas.microsoft.com/office/drawing/2014/main" id="{23960B41-4A0C-9B05-9CD4-6CC85047E9EC}"/>
               </a:ext>
             </a:extLst>
           </p:cNvPr>
@@ -1110,7 +928,7 @@
     </p:spTree>
     <p:extLst>
       <p:ext uri="{BB962C8B-B14F-4D97-AF65-F5344CB8AC3E}">
-        <p14:creationId xmlns:p14="http://schemas.microsoft.com/office/powerpoint/2010/main" val="1101194717"/>
+        <p14:creationId xmlns:p14="http://schemas.microsoft.com/office/powerpoint/2010/main" val="3109952534"/>
       </p:ext>
     </p:extLst>
   </p:cSld>
@@ -1142,7 +960,7 @@
           <p:cNvPr id="2" name="Title 1">
             <a:extLst>
               <a:ext uri="{FF2B5EF4-FFF2-40B4-BE49-F238E27FC236}">
-                <a16:creationId xmlns:a16="http://schemas.microsoft.com/office/drawing/2014/main" id="{D029D51F-B2D5-2804-4F7C-C99850FBD05B}"/>
+                <a16:creationId xmlns:a16="http://schemas.microsoft.com/office/drawing/2014/main" id="{AF17CD15-D7C7-4F72-EAAC-F150E8372D92}"/>
               </a:ext>
             </a:extLst>
           </p:cNvPr>
@@ -1155,22 +973,20 @@
         </p:nvSpPr>
         <p:spPr>
           <a:xfrm>
-            <a:off x="521208" y="978408"/>
-            <a:ext cx="5020056" cy="4288536"/>
+            <a:off x="831850" y="1709738"/>
+            <a:ext cx="10515600" cy="2852737"/>
           </a:xfrm>
         </p:spPr>
         <p:txBody>
-          <a:bodyPr anchor="t">
-            <a:normAutofit/>
-          </a:bodyPr>
+          <a:bodyPr anchor="b"/>
           <a:lstStyle>
             <a:lvl1pPr>
-              <a:defRPr sz="5400"/>
+              <a:defRPr sz="6000"/>
             </a:lvl1pPr>
           </a:lstStyle>
           <a:p>
             <a:r>
-              <a:rPr lang="en-US" dirty="0"/>
+              <a:rPr lang="en-US"/>
               <a:t>Click to edit Master title style</a:t>
             </a:r>
           </a:p>
@@ -1181,7 +997,7 @@
           <p:cNvPr id="3" name="Text Placeholder 2">
             <a:extLst>
               <a:ext uri="{FF2B5EF4-FFF2-40B4-BE49-F238E27FC236}">
-                <a16:creationId xmlns:a16="http://schemas.microsoft.com/office/drawing/2014/main" id="{15FE5516-03B6-C488-EB4A-68AE681EDFB8}"/>
+                <a16:creationId xmlns:a16="http://schemas.microsoft.com/office/drawing/2014/main" id="{2DE04937-C20A-09AA-F02C-68D47D932666}"/>
               </a:ext>
             </a:extLst>
           </p:cNvPr>
@@ -1194,18 +1010,16 @@
         </p:nvSpPr>
         <p:spPr>
           <a:xfrm>
-            <a:off x="521208" y="5266944"/>
-            <a:ext cx="5020056" cy="1088136"/>
+            <a:off x="831850" y="4589463"/>
+            <a:ext cx="10515600" cy="1500187"/>
           </a:xfrm>
         </p:spPr>
         <p:txBody>
-          <a:bodyPr anchor="b">
-            <a:normAutofit/>
-          </a:bodyPr>
+          <a:bodyPr/>
           <a:lstStyle>
             <a:lvl1pPr marL="0" indent="0">
               <a:buNone/>
-              <a:defRPr sz="2200" i="1">
+              <a:defRPr sz="2400">
                 <a:solidFill>
                   <a:schemeClr val="tx1">
                     <a:tint val="82000"/>
@@ -1297,7 +1111,7 @@
           <a:p>
             <a:pPr lvl="0"/>
             <a:r>
-              <a:rPr lang="en-US" dirty="0"/>
+              <a:rPr lang="en-US"/>
               <a:t>Click to edit Master text styles</a:t>
             </a:r>
           </a:p>
@@ -1308,7 +1122,7 @@
           <p:cNvPr id="4" name="Date Placeholder 3">
             <a:extLst>
               <a:ext uri="{FF2B5EF4-FFF2-40B4-BE49-F238E27FC236}">
-                <a16:creationId xmlns:a16="http://schemas.microsoft.com/office/drawing/2014/main" id="{50ECB4D7-49A7-D050-70B9-11A1E2D445D8}"/>
+                <a16:creationId xmlns:a16="http://schemas.microsoft.com/office/drawing/2014/main" id="{755326B4-1B6A-4F96-4F1C-0F1168013FE9}"/>
               </a:ext>
             </a:extLst>
           </p:cNvPr>
@@ -1326,7 +1140,7 @@
           <a:p>
             <a:fld id="{E80C50CD-E178-4744-9B35-B2F624D6C5E9}" type="datetimeFigureOut">
               <a:rPr lang="en-US" smtClean="0"/>
-              <a:t>7/6/2025</a:t>
+              <a:t>7/7/2025</a:t>
             </a:fld>
             <a:endParaRPr lang="en-US"/>
           </a:p>
@@ -1337,7 +1151,7 @@
           <p:cNvPr id="5" name="Footer Placeholder 4">
             <a:extLst>
               <a:ext uri="{FF2B5EF4-FFF2-40B4-BE49-F238E27FC236}">
-                <a16:creationId xmlns:a16="http://schemas.microsoft.com/office/drawing/2014/main" id="{8A9A913F-AD00-C1EE-B01A-8590671C014B}"/>
+                <a16:creationId xmlns:a16="http://schemas.microsoft.com/office/drawing/2014/main" id="{8A71593B-528C-252D-D4EA-96C297D5650C}"/>
               </a:ext>
             </a:extLst>
           </p:cNvPr>
@@ -1362,7 +1176,7 @@
           <p:cNvPr id="6" name="Slide Number Placeholder 5">
             <a:extLst>
               <a:ext uri="{FF2B5EF4-FFF2-40B4-BE49-F238E27FC236}">
-                <a16:creationId xmlns:a16="http://schemas.microsoft.com/office/drawing/2014/main" id="{314FC386-B2AF-6FAD-D053-E22D48CD7285}"/>
+                <a16:creationId xmlns:a16="http://schemas.microsoft.com/office/drawing/2014/main" id="{8F4FF22E-2082-0EE3-D64D-B137C359F3A2}"/>
               </a:ext>
             </a:extLst>
           </p:cNvPr>
@@ -1386,62 +1200,10 @@
           </a:p>
         </p:txBody>
       </p:sp>
-      <p:sp>
-        <p:nvSpPr>
-          <p:cNvPr id="7" name="Rectangle 6">
-            <a:extLst>
-              <a:ext uri="{FF2B5EF4-FFF2-40B4-BE49-F238E27FC236}">
-                <a16:creationId xmlns:a16="http://schemas.microsoft.com/office/drawing/2014/main" id="{4E1E1B67-3BFF-F04B-52F4-7E724FB3B24D}"/>
-              </a:ext>
-            </a:extLst>
-          </p:cNvPr>
-          <p:cNvSpPr/>
-          <p:nvPr/>
-        </p:nvSpPr>
-        <p:spPr>
-          <a:xfrm>
-            <a:off x="517870" y="508090"/>
-            <a:ext cx="5021183" cy="149279"/>
-          </a:xfrm>
-          <a:prstGeom prst="rect">
-            <a:avLst/>
-          </a:prstGeom>
-          <a:solidFill>
-            <a:schemeClr val="tx1"/>
-          </a:solidFill>
-          <a:ln>
-            <a:noFill/>
-          </a:ln>
-        </p:spPr>
-        <p:style>
-          <a:lnRef idx="2">
-            <a:schemeClr val="accent1">
-              <a:shade val="50000"/>
-            </a:schemeClr>
-          </a:lnRef>
-          <a:fillRef idx="1">
-            <a:schemeClr val="accent1"/>
-          </a:fillRef>
-          <a:effectRef idx="0">
-            <a:schemeClr val="accent1"/>
-          </a:effectRef>
-          <a:fontRef idx="minor">
-            <a:schemeClr val="lt1"/>
-          </a:fontRef>
-        </p:style>
-        <p:txBody>
-          <a:bodyPr rtlCol="0" anchor="ctr"/>
-          <a:lstStyle/>
-          <a:p>
-            <a:pPr algn="ctr"/>
-            <a:endParaRPr lang="en-US"/>
-          </a:p>
-        </p:txBody>
-      </p:sp>
     </p:spTree>
     <p:extLst>
       <p:ext uri="{BB962C8B-B14F-4D97-AF65-F5344CB8AC3E}">
-        <p14:creationId xmlns:p14="http://schemas.microsoft.com/office/powerpoint/2010/main" val="1741207414"/>
+        <p14:creationId xmlns:p14="http://schemas.microsoft.com/office/powerpoint/2010/main" val="957034040"/>
       </p:ext>
     </p:extLst>
   </p:cSld>
@@ -1473,7 +1235,7 @@
           <p:cNvPr id="2" name="Title 1">
             <a:extLst>
               <a:ext uri="{FF2B5EF4-FFF2-40B4-BE49-F238E27FC236}">
-                <a16:creationId xmlns:a16="http://schemas.microsoft.com/office/drawing/2014/main" id="{03CE3B21-CF4D-1B01-0F4E-D32C1B218B63}"/>
+                <a16:creationId xmlns:a16="http://schemas.microsoft.com/office/drawing/2014/main" id="{EC0B5FA9-0C7F-5D45-3FD3-36A94F1CFA24}"/>
               </a:ext>
             </a:extLst>
           </p:cNvPr>
@@ -1490,7 +1252,7 @@
           <a:lstStyle/>
           <a:p>
             <a:r>
-              <a:rPr lang="en-US" dirty="0"/>
+              <a:rPr lang="en-US"/>
               <a:t>Click to edit Master title style</a:t>
             </a:r>
           </a:p>
@@ -1501,7 +1263,7 @@
           <p:cNvPr id="3" name="Content Placeholder 2">
             <a:extLst>
               <a:ext uri="{FF2B5EF4-FFF2-40B4-BE49-F238E27FC236}">
-                <a16:creationId xmlns:a16="http://schemas.microsoft.com/office/drawing/2014/main" id="{1FB39FF2-6858-B514-B695-58442557D0C1}"/>
+                <a16:creationId xmlns:a16="http://schemas.microsoft.com/office/drawing/2014/main" id="{747DE607-092B-02B7-D8D4-42DFB162BCC9}"/>
               </a:ext>
             </a:extLst>
           </p:cNvPr>
@@ -1514,8 +1276,8 @@
         </p:nvSpPr>
         <p:spPr>
           <a:xfrm>
-            <a:off x="521208" y="2578608"/>
-            <a:ext cx="5166360" cy="3767328"/>
+            <a:off x="838200" y="1825625"/>
+            <a:ext cx="5181600" cy="4351338"/>
           </a:xfrm>
         </p:spPr>
         <p:txBody>
@@ -1563,7 +1325,7 @@
           <p:cNvPr id="4" name="Content Placeholder 3">
             <a:extLst>
               <a:ext uri="{FF2B5EF4-FFF2-40B4-BE49-F238E27FC236}">
-                <a16:creationId xmlns:a16="http://schemas.microsoft.com/office/drawing/2014/main" id="{8FA30130-974D-B91D-5B93-EC52AABDB5B0}"/>
+                <a16:creationId xmlns:a16="http://schemas.microsoft.com/office/drawing/2014/main" id="{3314971E-3B16-07FF-6CCB-D24E4FC2F3FB}"/>
               </a:ext>
             </a:extLst>
           </p:cNvPr>
@@ -1576,8 +1338,8 @@
         </p:nvSpPr>
         <p:spPr>
           <a:xfrm>
-            <a:off x="6519672" y="2578608"/>
-            <a:ext cx="5166360" cy="3767328"/>
+            <a:off x="6172200" y="1825625"/>
+            <a:ext cx="5181600" cy="4351338"/>
           </a:xfrm>
         </p:spPr>
         <p:txBody>
@@ -1625,7 +1387,7 @@
           <p:cNvPr id="5" name="Date Placeholder 4">
             <a:extLst>
               <a:ext uri="{FF2B5EF4-FFF2-40B4-BE49-F238E27FC236}">
-                <a16:creationId xmlns:a16="http://schemas.microsoft.com/office/drawing/2014/main" id="{515BED99-6FD7-9C6B-1152-A6E42715BB79}"/>
+                <a16:creationId xmlns:a16="http://schemas.microsoft.com/office/drawing/2014/main" id="{529AD94A-6315-3810-50D7-F3CD12138466}"/>
               </a:ext>
             </a:extLst>
           </p:cNvPr>
@@ -1643,7 +1405,7 @@
           <a:p>
             <a:fld id="{E80C50CD-E178-4744-9B35-B2F624D6C5E9}" type="datetimeFigureOut">
               <a:rPr lang="en-US" smtClean="0"/>
-              <a:t>7/6/2025</a:t>
+              <a:t>7/7/2025</a:t>
             </a:fld>
             <a:endParaRPr lang="en-US"/>
           </a:p>
@@ -1654,7 +1416,7 @@
           <p:cNvPr id="6" name="Footer Placeholder 5">
             <a:extLst>
               <a:ext uri="{FF2B5EF4-FFF2-40B4-BE49-F238E27FC236}">
-                <a16:creationId xmlns:a16="http://schemas.microsoft.com/office/drawing/2014/main" id="{BA253AAC-5967-2565-A715-82D3505ABF0F}"/>
+                <a16:creationId xmlns:a16="http://schemas.microsoft.com/office/drawing/2014/main" id="{2B7DD48C-DD91-AB14-CAFC-303987EE38FA}"/>
               </a:ext>
             </a:extLst>
           </p:cNvPr>
@@ -1679,7 +1441,7 @@
           <p:cNvPr id="7" name="Slide Number Placeholder 6">
             <a:extLst>
               <a:ext uri="{FF2B5EF4-FFF2-40B4-BE49-F238E27FC236}">
-                <a16:creationId xmlns:a16="http://schemas.microsoft.com/office/drawing/2014/main" id="{A4B51313-69FB-E016-3CC1-62CA476ED214}"/>
+                <a16:creationId xmlns:a16="http://schemas.microsoft.com/office/drawing/2014/main" id="{6BEA806C-8E8B-6B0F-E5B2-6A8DDCB7B406}"/>
               </a:ext>
             </a:extLst>
           </p:cNvPr>
@@ -1706,7 +1468,7 @@
     </p:spTree>
     <p:extLst>
       <p:ext uri="{BB962C8B-B14F-4D97-AF65-F5344CB8AC3E}">
-        <p14:creationId xmlns:p14="http://schemas.microsoft.com/office/powerpoint/2010/main" val="1000252133"/>
+        <p14:creationId xmlns:p14="http://schemas.microsoft.com/office/powerpoint/2010/main" val="2296188762"/>
       </p:ext>
     </p:extLst>
   </p:cSld>
@@ -1738,7 +1500,7 @@
           <p:cNvPr id="2" name="Title 1">
             <a:extLst>
               <a:ext uri="{FF2B5EF4-FFF2-40B4-BE49-F238E27FC236}">
-                <a16:creationId xmlns:a16="http://schemas.microsoft.com/office/drawing/2014/main" id="{A8B3DF9D-B849-CE37-97E4-AD37F880677F}"/>
+                <a16:creationId xmlns:a16="http://schemas.microsoft.com/office/drawing/2014/main" id="{68D306BD-0DAA-0D89-E722-840B1637B439}"/>
               </a:ext>
             </a:extLst>
           </p:cNvPr>
@@ -1751,8 +1513,8 @@
         </p:nvSpPr>
         <p:spPr>
           <a:xfrm>
-            <a:off x="521208" y="978408"/>
-            <a:ext cx="11164824" cy="1216152"/>
+            <a:off x="839788" y="365125"/>
+            <a:ext cx="10515600" cy="1325563"/>
           </a:xfrm>
         </p:spPr>
         <p:txBody>
@@ -1771,7 +1533,7 @@
           <p:cNvPr id="3" name="Text Placeholder 2">
             <a:extLst>
               <a:ext uri="{FF2B5EF4-FFF2-40B4-BE49-F238E27FC236}">
-                <a16:creationId xmlns:a16="http://schemas.microsoft.com/office/drawing/2014/main" id="{79D4C626-4008-960A-E601-6AA9F4BB8D8B}"/>
+                <a16:creationId xmlns:a16="http://schemas.microsoft.com/office/drawing/2014/main" id="{8A9F02A5-A36A-A2F2-DC6B-D59B763FAF66}"/>
               </a:ext>
             </a:extLst>
           </p:cNvPr>
@@ -1784,18 +1546,16 @@
         </p:nvSpPr>
         <p:spPr>
           <a:xfrm>
-            <a:off x="521208" y="2340864"/>
-            <a:ext cx="5166360" cy="658368"/>
+            <a:off x="839788" y="1681163"/>
+            <a:ext cx="5157787" cy="823912"/>
           </a:xfrm>
         </p:spPr>
         <p:txBody>
-          <a:bodyPr anchor="b">
-            <a:normAutofit/>
-          </a:bodyPr>
+          <a:bodyPr anchor="b"/>
           <a:lstStyle>
             <a:lvl1pPr marL="0" indent="0">
               <a:buNone/>
-              <a:defRPr sz="2200" b="0" i="1"/>
+              <a:defRPr sz="2400" b="1"/>
             </a:lvl1pPr>
             <a:lvl2pPr marL="457200" indent="0">
               <a:buNone/>
@@ -1833,7 +1593,7 @@
           <a:p>
             <a:pPr lvl="0"/>
             <a:r>
-              <a:rPr lang="en-US" dirty="0"/>
+              <a:rPr lang="en-US"/>
               <a:t>Click to edit Master text styles</a:t>
             </a:r>
           </a:p>
@@ -1844,7 +1604,7 @@
           <p:cNvPr id="4" name="Content Placeholder 3">
             <a:extLst>
               <a:ext uri="{FF2B5EF4-FFF2-40B4-BE49-F238E27FC236}">
-                <a16:creationId xmlns:a16="http://schemas.microsoft.com/office/drawing/2014/main" id="{806E8D6C-AC07-ED6B-2EA8-9C40A5AEA748}"/>
+                <a16:creationId xmlns:a16="http://schemas.microsoft.com/office/drawing/2014/main" id="{0A05ABE2-9C00-8652-5D40-289486350269}"/>
               </a:ext>
             </a:extLst>
           </p:cNvPr>
@@ -1857,8 +1617,8 @@
         </p:nvSpPr>
         <p:spPr>
           <a:xfrm>
-            <a:off x="521208" y="3035808"/>
-            <a:ext cx="5166360" cy="3310128"/>
+            <a:off x="839788" y="2505075"/>
+            <a:ext cx="5157787" cy="3684588"/>
           </a:xfrm>
         </p:spPr>
         <p:txBody>
@@ -1867,35 +1627,35 @@
           <a:p>
             <a:pPr lvl="0"/>
             <a:r>
-              <a:rPr lang="en-US" dirty="0"/>
+              <a:rPr lang="en-US"/>
               <a:t>Click to edit Master text styles</a:t>
             </a:r>
           </a:p>
           <a:p>
             <a:pPr lvl="1"/>
             <a:r>
-              <a:rPr lang="en-US" dirty="0"/>
+              <a:rPr lang="en-US"/>
               <a:t>Second level</a:t>
             </a:r>
           </a:p>
           <a:p>
             <a:pPr lvl="2"/>
             <a:r>
-              <a:rPr lang="en-US" dirty="0"/>
+              <a:rPr lang="en-US"/>
               <a:t>Third level</a:t>
             </a:r>
           </a:p>
           <a:p>
             <a:pPr lvl="3"/>
             <a:r>
-              <a:rPr lang="en-US" dirty="0"/>
+              <a:rPr lang="en-US"/>
               <a:t>Fourth level</a:t>
             </a:r>
           </a:p>
           <a:p>
             <a:pPr lvl="4"/>
             <a:r>
-              <a:rPr lang="en-US" dirty="0"/>
+              <a:rPr lang="en-US"/>
               <a:t>Fifth level</a:t>
             </a:r>
           </a:p>
@@ -1906,7 +1666,7 @@
           <p:cNvPr id="5" name="Text Placeholder 4">
             <a:extLst>
               <a:ext uri="{FF2B5EF4-FFF2-40B4-BE49-F238E27FC236}">
-                <a16:creationId xmlns:a16="http://schemas.microsoft.com/office/drawing/2014/main" id="{3C52617E-C6D9-246B-E7B7-8159DF17C0A3}"/>
+                <a16:creationId xmlns:a16="http://schemas.microsoft.com/office/drawing/2014/main" id="{5CB8ED1A-6ADD-255C-71E7-2D65A55660FA}"/>
               </a:ext>
             </a:extLst>
           </p:cNvPr>
@@ -1919,18 +1679,16 @@
         </p:nvSpPr>
         <p:spPr>
           <a:xfrm>
-            <a:off x="6519672" y="2340864"/>
-            <a:ext cx="5166360" cy="658368"/>
+            <a:off x="6172200" y="1681163"/>
+            <a:ext cx="5183188" cy="823912"/>
           </a:xfrm>
         </p:spPr>
         <p:txBody>
-          <a:bodyPr anchor="b">
-            <a:normAutofit/>
-          </a:bodyPr>
+          <a:bodyPr anchor="b"/>
           <a:lstStyle>
             <a:lvl1pPr marL="0" indent="0">
               <a:buNone/>
-              <a:defRPr sz="2200" b="0" i="1"/>
+              <a:defRPr sz="2400" b="1"/>
             </a:lvl1pPr>
             <a:lvl2pPr marL="457200" indent="0">
               <a:buNone/>
@@ -1968,7 +1726,7 @@
           <a:p>
             <a:pPr lvl="0"/>
             <a:r>
-              <a:rPr lang="en-US" dirty="0"/>
+              <a:rPr lang="en-US"/>
               <a:t>Click to edit Master text styles</a:t>
             </a:r>
           </a:p>
@@ -1979,7 +1737,7 @@
           <p:cNvPr id="6" name="Content Placeholder 5">
             <a:extLst>
               <a:ext uri="{FF2B5EF4-FFF2-40B4-BE49-F238E27FC236}">
-                <a16:creationId xmlns:a16="http://schemas.microsoft.com/office/drawing/2014/main" id="{3DBC2094-7EBC-02C5-5AB5-233E63080A9C}"/>
+                <a16:creationId xmlns:a16="http://schemas.microsoft.com/office/drawing/2014/main" id="{A8F44112-1259-501A-B88B-E90096CB9AE3}"/>
               </a:ext>
             </a:extLst>
           </p:cNvPr>
@@ -1992,8 +1750,8 @@
         </p:nvSpPr>
         <p:spPr>
           <a:xfrm>
-            <a:off x="6519672" y="3035808"/>
-            <a:ext cx="5166360" cy="3310128"/>
+            <a:off x="6172200" y="2505075"/>
+            <a:ext cx="5183188" cy="3684588"/>
           </a:xfrm>
         </p:spPr>
         <p:txBody>
@@ -2002,35 +1760,35 @@
           <a:p>
             <a:pPr lvl="0"/>
             <a:r>
-              <a:rPr lang="en-US" dirty="0"/>
+              <a:rPr lang="en-US"/>
               <a:t>Click to edit Master text styles</a:t>
             </a:r>
           </a:p>
           <a:p>
             <a:pPr lvl="1"/>
             <a:r>
-              <a:rPr lang="en-US" dirty="0"/>
+              <a:rPr lang="en-US"/>
               <a:t>Second level</a:t>
             </a:r>
           </a:p>
           <a:p>
             <a:pPr lvl="2"/>
             <a:r>
-              <a:rPr lang="en-US" dirty="0"/>
+              <a:rPr lang="en-US"/>
               <a:t>Third level</a:t>
             </a:r>
           </a:p>
           <a:p>
             <a:pPr lvl="3"/>
             <a:r>
-              <a:rPr lang="en-US" dirty="0"/>
+              <a:rPr lang="en-US"/>
               <a:t>Fourth level</a:t>
             </a:r>
           </a:p>
           <a:p>
             <a:pPr lvl="4"/>
             <a:r>
-              <a:rPr lang="en-US" dirty="0"/>
+              <a:rPr lang="en-US"/>
               <a:t>Fifth level</a:t>
             </a:r>
           </a:p>
@@ -2041,7 +1799,7 @@
           <p:cNvPr id="7" name="Date Placeholder 6">
             <a:extLst>
               <a:ext uri="{FF2B5EF4-FFF2-40B4-BE49-F238E27FC236}">
-                <a16:creationId xmlns:a16="http://schemas.microsoft.com/office/drawing/2014/main" id="{23010BD2-59B4-FD2E-3C5E-C83AE6003985}"/>
+                <a16:creationId xmlns:a16="http://schemas.microsoft.com/office/drawing/2014/main" id="{B00509F4-F782-2A09-8D3E-CD7F1BFC13D0}"/>
               </a:ext>
             </a:extLst>
           </p:cNvPr>
@@ -2059,7 +1817,7 @@
           <a:p>
             <a:fld id="{E80C50CD-E178-4744-9B35-B2F624D6C5E9}" type="datetimeFigureOut">
               <a:rPr lang="en-US" smtClean="0"/>
-              <a:t>7/6/2025</a:t>
+              <a:t>7/7/2025</a:t>
             </a:fld>
             <a:endParaRPr lang="en-US"/>
           </a:p>
@@ -2070,7 +1828,7 @@
           <p:cNvPr id="8" name="Footer Placeholder 7">
             <a:extLst>
               <a:ext uri="{FF2B5EF4-FFF2-40B4-BE49-F238E27FC236}">
-                <a16:creationId xmlns:a16="http://schemas.microsoft.com/office/drawing/2014/main" id="{E72B35C4-A654-7759-BDA0-94D9D1A21663}"/>
+                <a16:creationId xmlns:a16="http://schemas.microsoft.com/office/drawing/2014/main" id="{D4DFC884-7DAC-5D83-2880-A8BC6324EE03}"/>
               </a:ext>
             </a:extLst>
           </p:cNvPr>
@@ -2095,7 +1853,7 @@
           <p:cNvPr id="9" name="Slide Number Placeholder 8">
             <a:extLst>
               <a:ext uri="{FF2B5EF4-FFF2-40B4-BE49-F238E27FC236}">
-                <a16:creationId xmlns:a16="http://schemas.microsoft.com/office/drawing/2014/main" id="{F55F4347-2EC0-CA6E-2637-8048456D7ECB}"/>
+                <a16:creationId xmlns:a16="http://schemas.microsoft.com/office/drawing/2014/main" id="{20834737-5448-6994-59B5-F8EC6BA23972}"/>
               </a:ext>
             </a:extLst>
           </p:cNvPr>
@@ -2122,7 +1880,7 @@
     </p:spTree>
     <p:extLst>
       <p:ext uri="{BB962C8B-B14F-4D97-AF65-F5344CB8AC3E}">
-        <p14:creationId xmlns:p14="http://schemas.microsoft.com/office/powerpoint/2010/main" val="2532728261"/>
+        <p14:creationId xmlns:p14="http://schemas.microsoft.com/office/powerpoint/2010/main" val="285128097"/>
       </p:ext>
     </p:extLst>
   </p:cSld>
@@ -2154,7 +1912,7 @@
           <p:cNvPr id="2" name="Title 1">
             <a:extLst>
               <a:ext uri="{FF2B5EF4-FFF2-40B4-BE49-F238E27FC236}">
-                <a16:creationId xmlns:a16="http://schemas.microsoft.com/office/drawing/2014/main" id="{2734716D-52F2-C7FB-83B1-2DA1AD375EAE}"/>
+                <a16:creationId xmlns:a16="http://schemas.microsoft.com/office/drawing/2014/main" id="{C4A9094F-6CDC-431B-4EE4-6A3374183C56}"/>
               </a:ext>
             </a:extLst>
           </p:cNvPr>
@@ -2171,7 +1929,7 @@
           <a:lstStyle/>
           <a:p>
             <a:r>
-              <a:rPr lang="en-US" dirty="0"/>
+              <a:rPr lang="en-US"/>
               <a:t>Click to edit Master title style</a:t>
             </a:r>
           </a:p>
@@ -2182,7 +1940,7 @@
           <p:cNvPr id="3" name="Date Placeholder 2">
             <a:extLst>
               <a:ext uri="{FF2B5EF4-FFF2-40B4-BE49-F238E27FC236}">
-                <a16:creationId xmlns:a16="http://schemas.microsoft.com/office/drawing/2014/main" id="{56F4A371-AC27-6A28-32E6-74A28371BF55}"/>
+                <a16:creationId xmlns:a16="http://schemas.microsoft.com/office/drawing/2014/main" id="{E6FC41CC-2EE2-9054-6BD2-DB20316BAAB3}"/>
               </a:ext>
             </a:extLst>
           </p:cNvPr>
@@ -2200,7 +1958,7 @@
           <a:p>
             <a:fld id="{E80C50CD-E178-4744-9B35-B2F624D6C5E9}" type="datetimeFigureOut">
               <a:rPr lang="en-US" smtClean="0"/>
-              <a:t>7/6/2025</a:t>
+              <a:t>7/7/2025</a:t>
             </a:fld>
             <a:endParaRPr lang="en-US"/>
           </a:p>
@@ -2211,7 +1969,7 @@
           <p:cNvPr id="4" name="Footer Placeholder 3">
             <a:extLst>
               <a:ext uri="{FF2B5EF4-FFF2-40B4-BE49-F238E27FC236}">
-                <a16:creationId xmlns:a16="http://schemas.microsoft.com/office/drawing/2014/main" id="{D155941A-A24E-885D-E894-0326F4C4004D}"/>
+                <a16:creationId xmlns:a16="http://schemas.microsoft.com/office/drawing/2014/main" id="{71183612-B835-B7A6-730B-420105FD56AF}"/>
               </a:ext>
             </a:extLst>
           </p:cNvPr>
@@ -2236,7 +1994,7 @@
           <p:cNvPr id="5" name="Slide Number Placeholder 4">
             <a:extLst>
               <a:ext uri="{FF2B5EF4-FFF2-40B4-BE49-F238E27FC236}">
-                <a16:creationId xmlns:a16="http://schemas.microsoft.com/office/drawing/2014/main" id="{99D5E5B4-971F-FF6A-1B07-A5C85370552D}"/>
+                <a16:creationId xmlns:a16="http://schemas.microsoft.com/office/drawing/2014/main" id="{1622996A-8ABD-2E9B-8C4F-B7A9EB4999B2}"/>
               </a:ext>
             </a:extLst>
           </p:cNvPr>
@@ -2263,7 +2021,7 @@
     </p:spTree>
     <p:extLst>
       <p:ext uri="{BB962C8B-B14F-4D97-AF65-F5344CB8AC3E}">
-        <p14:creationId xmlns:p14="http://schemas.microsoft.com/office/powerpoint/2010/main" val="3951328619"/>
+        <p14:creationId xmlns:p14="http://schemas.microsoft.com/office/powerpoint/2010/main" val="3178171035"/>
       </p:ext>
     </p:extLst>
   </p:cSld>
@@ -2295,7 +2053,7 @@
           <p:cNvPr id="2" name="Date Placeholder 1">
             <a:extLst>
               <a:ext uri="{FF2B5EF4-FFF2-40B4-BE49-F238E27FC236}">
-                <a16:creationId xmlns:a16="http://schemas.microsoft.com/office/drawing/2014/main" id="{199F431F-E6DC-4137-3092-A30A0A3628EC}"/>
+                <a16:creationId xmlns:a16="http://schemas.microsoft.com/office/drawing/2014/main" id="{F32A5FC3-5C79-C568-CA72-8AA4D14FC084}"/>
               </a:ext>
             </a:extLst>
           </p:cNvPr>
@@ -2313,7 +2071,7 @@
           <a:p>
             <a:fld id="{E80C50CD-E178-4744-9B35-B2F624D6C5E9}" type="datetimeFigureOut">
               <a:rPr lang="en-US" smtClean="0"/>
-              <a:t>7/6/2025</a:t>
+              <a:t>7/7/2025</a:t>
             </a:fld>
             <a:endParaRPr lang="en-US"/>
           </a:p>
@@ -2324,7 +2082,7 @@
           <p:cNvPr id="3" name="Footer Placeholder 2">
             <a:extLst>
               <a:ext uri="{FF2B5EF4-FFF2-40B4-BE49-F238E27FC236}">
-                <a16:creationId xmlns:a16="http://schemas.microsoft.com/office/drawing/2014/main" id="{06AC814B-67B4-C70F-FA51-6205D5E2CB81}"/>
+                <a16:creationId xmlns:a16="http://schemas.microsoft.com/office/drawing/2014/main" id="{51FB2D56-D890-6BBE-FFBC-A65BA1B576F2}"/>
               </a:ext>
             </a:extLst>
           </p:cNvPr>
@@ -2349,7 +2107,7 @@
           <p:cNvPr id="4" name="Slide Number Placeholder 3">
             <a:extLst>
               <a:ext uri="{FF2B5EF4-FFF2-40B4-BE49-F238E27FC236}">
-                <a16:creationId xmlns:a16="http://schemas.microsoft.com/office/drawing/2014/main" id="{91EAA9C9-D895-DD20-1089-EA75EA428951}"/>
+                <a16:creationId xmlns:a16="http://schemas.microsoft.com/office/drawing/2014/main" id="{7F3BB66A-32BA-206A-ADD6-E891F1D56576}"/>
               </a:ext>
             </a:extLst>
           </p:cNvPr>
@@ -2376,7 +2134,7 @@
     </p:spTree>
     <p:extLst>
       <p:ext uri="{BB962C8B-B14F-4D97-AF65-F5344CB8AC3E}">
-        <p14:creationId xmlns:p14="http://schemas.microsoft.com/office/powerpoint/2010/main" val="3114828433"/>
+        <p14:creationId xmlns:p14="http://schemas.microsoft.com/office/powerpoint/2010/main" val="3727027181"/>
       </p:ext>
     </p:extLst>
   </p:cSld>
@@ -2408,7 +2166,7 @@
           <p:cNvPr id="2" name="Title 1">
             <a:extLst>
               <a:ext uri="{FF2B5EF4-FFF2-40B4-BE49-F238E27FC236}">
-                <a16:creationId xmlns:a16="http://schemas.microsoft.com/office/drawing/2014/main" id="{FBB50562-884C-9053-70C1-3B72A0B45EA6}"/>
+                <a16:creationId xmlns:a16="http://schemas.microsoft.com/office/drawing/2014/main" id="{09DB20F4-1082-AEC5-A181-9CCB4C4E737B}"/>
               </a:ext>
             </a:extLst>
           </p:cNvPr>
@@ -2421,22 +2179,20 @@
         </p:nvSpPr>
         <p:spPr>
           <a:xfrm>
-            <a:off x="521208" y="978408"/>
-            <a:ext cx="5020056" cy="2459736"/>
+            <a:off x="839788" y="457200"/>
+            <a:ext cx="3932237" cy="1600200"/>
           </a:xfrm>
         </p:spPr>
         <p:txBody>
-          <a:bodyPr anchor="t">
-            <a:noAutofit/>
-          </a:bodyPr>
+          <a:bodyPr anchor="b"/>
           <a:lstStyle>
             <a:lvl1pPr>
-              <a:defRPr sz="4400"/>
+              <a:defRPr sz="3200"/>
             </a:lvl1pPr>
           </a:lstStyle>
           <a:p>
             <a:r>
-              <a:rPr lang="en-US" dirty="0"/>
+              <a:rPr lang="en-US"/>
               <a:t>Click to edit Master title style</a:t>
             </a:r>
           </a:p>
@@ -2447,7 +2203,7 @@
           <p:cNvPr id="3" name="Content Placeholder 2">
             <a:extLst>
               <a:ext uri="{FF2B5EF4-FFF2-40B4-BE49-F238E27FC236}">
-                <a16:creationId xmlns:a16="http://schemas.microsoft.com/office/drawing/2014/main" id="{0318F509-68F0-39D5-1A8B-CE246715AE46}"/>
+                <a16:creationId xmlns:a16="http://schemas.microsoft.com/office/drawing/2014/main" id="{C4049F12-85E0-7AA0-B742-05022598CCA0}"/>
               </a:ext>
             </a:extLst>
           </p:cNvPr>
@@ -2460,29 +2216,27 @@
         </p:nvSpPr>
         <p:spPr>
           <a:xfrm>
-            <a:off x="6519672" y="987424"/>
-            <a:ext cx="5166360" cy="5358384"/>
+            <a:off x="5183188" y="987425"/>
+            <a:ext cx="6172200" cy="4873625"/>
           </a:xfrm>
         </p:spPr>
         <p:txBody>
-          <a:bodyPr>
-            <a:normAutofit/>
-          </a:bodyPr>
+          <a:bodyPr/>
           <a:lstStyle>
             <a:lvl1pPr>
-              <a:defRPr sz="2000"/>
+              <a:defRPr sz="3200"/>
             </a:lvl1pPr>
             <a:lvl2pPr>
-              <a:defRPr sz="1800"/>
+              <a:defRPr sz="2800"/>
             </a:lvl2pPr>
             <a:lvl3pPr>
-              <a:defRPr sz="1600"/>
+              <a:defRPr sz="2400"/>
             </a:lvl3pPr>
             <a:lvl4pPr>
-              <a:defRPr sz="1400"/>
+              <a:defRPr sz="2000"/>
             </a:lvl4pPr>
             <a:lvl5pPr>
-              <a:defRPr sz="1400"/>
+              <a:defRPr sz="2000"/>
             </a:lvl5pPr>
             <a:lvl6pPr>
               <a:defRPr sz="2000"/>
@@ -2500,35 +2254,35 @@
           <a:p>
             <a:pPr lvl="0"/>
             <a:r>
-              <a:rPr lang="en-US" dirty="0"/>
+              <a:rPr lang="en-US"/>
               <a:t>Click to edit Master text styles</a:t>
             </a:r>
           </a:p>
           <a:p>
             <a:pPr lvl="1"/>
             <a:r>
-              <a:rPr lang="en-US" dirty="0"/>
+              <a:rPr lang="en-US"/>
               <a:t>Second level</a:t>
             </a:r>
           </a:p>
           <a:p>
             <a:pPr lvl="2"/>
             <a:r>
-              <a:rPr lang="en-US" dirty="0"/>
+              <a:rPr lang="en-US"/>
               <a:t>Third level</a:t>
             </a:r>
           </a:p>
           <a:p>
             <a:pPr lvl="3"/>
             <a:r>
-              <a:rPr lang="en-US" dirty="0"/>
+              <a:rPr lang="en-US"/>
               <a:t>Fourth level</a:t>
             </a:r>
           </a:p>
           <a:p>
             <a:pPr lvl="4"/>
             <a:r>
-              <a:rPr lang="en-US" dirty="0"/>
+              <a:rPr lang="en-US"/>
               <a:t>Fifth level</a:t>
             </a:r>
           </a:p>
@@ -2539,7 +2293,7 @@
           <p:cNvPr id="4" name="Text Placeholder 3">
             <a:extLst>
               <a:ext uri="{FF2B5EF4-FFF2-40B4-BE49-F238E27FC236}">
-                <a16:creationId xmlns:a16="http://schemas.microsoft.com/office/drawing/2014/main" id="{F158E37C-27CE-3A84-FC74-BDCCD8A9A3EC}"/>
+                <a16:creationId xmlns:a16="http://schemas.microsoft.com/office/drawing/2014/main" id="{FAAE1553-BC4E-2FC9-1B9F-7228A3303304}"/>
               </a:ext>
             </a:extLst>
           </p:cNvPr>
@@ -2552,18 +2306,16 @@
         </p:nvSpPr>
         <p:spPr>
           <a:xfrm>
-            <a:off x="521208" y="3575304"/>
-            <a:ext cx="5020056" cy="2770632"/>
+            <a:off x="839788" y="2057400"/>
+            <a:ext cx="3932237" cy="3811588"/>
           </a:xfrm>
         </p:spPr>
         <p:txBody>
-          <a:bodyPr>
-            <a:normAutofit/>
-          </a:bodyPr>
+          <a:bodyPr/>
           <a:lstStyle>
             <a:lvl1pPr marL="0" indent="0">
               <a:buNone/>
-              <a:defRPr sz="2200" i="1"/>
+              <a:defRPr sz="1600"/>
             </a:lvl1pPr>
             <a:lvl2pPr marL="457200" indent="0">
               <a:buNone/>
@@ -2612,7 +2364,7 @@
           <p:cNvPr id="5" name="Date Placeholder 4">
             <a:extLst>
               <a:ext uri="{FF2B5EF4-FFF2-40B4-BE49-F238E27FC236}">
-                <a16:creationId xmlns:a16="http://schemas.microsoft.com/office/drawing/2014/main" id="{02A95F79-E23E-11D2-40BF-66ED340195DB}"/>
+                <a16:creationId xmlns:a16="http://schemas.microsoft.com/office/drawing/2014/main" id="{CFFC53AE-467B-E18F-E9E7-4A64A9CAF961}"/>
               </a:ext>
             </a:extLst>
           </p:cNvPr>
@@ -2630,7 +2382,7 @@
           <a:p>
             <a:fld id="{E80C50CD-E178-4744-9B35-B2F624D6C5E9}" type="datetimeFigureOut">
               <a:rPr lang="en-US" smtClean="0"/>
-              <a:t>7/6/2025</a:t>
+              <a:t>7/7/2025</a:t>
             </a:fld>
             <a:endParaRPr lang="en-US"/>
           </a:p>
@@ -2641,7 +2393,7 @@
           <p:cNvPr id="6" name="Footer Placeholder 5">
             <a:extLst>
               <a:ext uri="{FF2B5EF4-FFF2-40B4-BE49-F238E27FC236}">
-                <a16:creationId xmlns:a16="http://schemas.microsoft.com/office/drawing/2014/main" id="{4457F7FC-06F3-3D89-5D1A-4EC4B1D7355E}"/>
+                <a16:creationId xmlns:a16="http://schemas.microsoft.com/office/drawing/2014/main" id="{3ACED1DB-0F64-9E98-0292-21BF6C7761C6}"/>
               </a:ext>
             </a:extLst>
           </p:cNvPr>
@@ -2666,7 +2418,7 @@
           <p:cNvPr id="7" name="Slide Number Placeholder 6">
             <a:extLst>
               <a:ext uri="{FF2B5EF4-FFF2-40B4-BE49-F238E27FC236}">
-                <a16:creationId xmlns:a16="http://schemas.microsoft.com/office/drawing/2014/main" id="{9554ACD5-6E0B-5713-DC9A-41E9D62AB12D}"/>
+                <a16:creationId xmlns:a16="http://schemas.microsoft.com/office/drawing/2014/main" id="{659D5219-0EA9-B7D2-C51B-CEE68EEC2305}"/>
               </a:ext>
             </a:extLst>
           </p:cNvPr>
@@ -2693,7 +2445,7 @@
     </p:spTree>
     <p:extLst>
       <p:ext uri="{BB962C8B-B14F-4D97-AF65-F5344CB8AC3E}">
-        <p14:creationId xmlns:p14="http://schemas.microsoft.com/office/powerpoint/2010/main" val="2302467921"/>
+        <p14:creationId xmlns:p14="http://schemas.microsoft.com/office/powerpoint/2010/main" val="188152796"/>
       </p:ext>
     </p:extLst>
   </p:cSld>
@@ -2725,7 +2477,7 @@
           <p:cNvPr id="2" name="Title 1">
             <a:extLst>
               <a:ext uri="{FF2B5EF4-FFF2-40B4-BE49-F238E27FC236}">
-                <a16:creationId xmlns:a16="http://schemas.microsoft.com/office/drawing/2014/main" id="{DF5B2D45-7CDB-D38C-2AAE-273F797674E1}"/>
+                <a16:creationId xmlns:a16="http://schemas.microsoft.com/office/drawing/2014/main" id="{0873569F-FEDF-BB1B-6DAB-8B1000F61003}"/>
               </a:ext>
             </a:extLst>
           </p:cNvPr>
@@ -2738,22 +2490,20 @@
         </p:nvSpPr>
         <p:spPr>
           <a:xfrm>
-            <a:off x="521208" y="978408"/>
-            <a:ext cx="5020056" cy="2459736"/>
+            <a:off x="839788" y="457200"/>
+            <a:ext cx="3932237" cy="1600200"/>
           </a:xfrm>
         </p:spPr>
         <p:txBody>
-          <a:bodyPr anchor="t">
-            <a:noAutofit/>
-          </a:bodyPr>
+          <a:bodyPr anchor="b"/>
           <a:lstStyle>
             <a:lvl1pPr>
-              <a:defRPr sz="4400"/>
+              <a:defRPr sz="3200"/>
             </a:lvl1pPr>
           </a:lstStyle>
           <a:p>
             <a:r>
-              <a:rPr lang="en-US" dirty="0"/>
+              <a:rPr lang="en-US"/>
               <a:t>Click to edit Master title style</a:t>
             </a:r>
           </a:p>
@@ -2764,7 +2514,7 @@
           <p:cNvPr id="3" name="Picture Placeholder 2">
             <a:extLst>
               <a:ext uri="{FF2B5EF4-FFF2-40B4-BE49-F238E27FC236}">
-                <a16:creationId xmlns:a16="http://schemas.microsoft.com/office/drawing/2014/main" id="{CCBF0855-1744-56E4-B115-3A3C5EA7834B}"/>
+                <a16:creationId xmlns:a16="http://schemas.microsoft.com/office/drawing/2014/main" id="{A57317D9-5409-C0A8-99EA-19917B2BD9E2}"/>
               </a:ext>
             </a:extLst>
           </p:cNvPr>
@@ -2777,8 +2527,8 @@
         </p:nvSpPr>
         <p:spPr>
           <a:xfrm>
-            <a:off x="6519672" y="987424"/>
-            <a:ext cx="5166360" cy="5358384"/>
+            <a:off x="5183188" y="987425"/>
+            <a:ext cx="6172200" cy="4873625"/>
           </a:xfrm>
         </p:spPr>
         <p:txBody>
@@ -2831,7 +2581,7 @@
           <p:cNvPr id="4" name="Text Placeholder 3">
             <a:extLst>
               <a:ext uri="{FF2B5EF4-FFF2-40B4-BE49-F238E27FC236}">
-                <a16:creationId xmlns:a16="http://schemas.microsoft.com/office/drawing/2014/main" id="{385E8A1D-28AE-4A19-BD96-401D4822A53D}"/>
+                <a16:creationId xmlns:a16="http://schemas.microsoft.com/office/drawing/2014/main" id="{CD208520-C065-DA5E-EFAD-AF0C186E4204}"/>
               </a:ext>
             </a:extLst>
           </p:cNvPr>
@@ -2844,18 +2594,16 @@
         </p:nvSpPr>
         <p:spPr>
           <a:xfrm>
-            <a:off x="521208" y="3575304"/>
-            <a:ext cx="5020056" cy="2770632"/>
+            <a:off x="839788" y="2057400"/>
+            <a:ext cx="3932237" cy="3811588"/>
           </a:xfrm>
         </p:spPr>
         <p:txBody>
-          <a:bodyPr>
-            <a:normAutofit/>
-          </a:bodyPr>
+          <a:bodyPr/>
           <a:lstStyle>
             <a:lvl1pPr marL="0" indent="0">
               <a:buNone/>
-              <a:defRPr sz="2200" i="1"/>
+              <a:defRPr sz="1600"/>
             </a:lvl1pPr>
             <a:lvl2pPr marL="457200" indent="0">
               <a:buNone/>
@@ -2904,7 +2652,7 @@
           <p:cNvPr id="5" name="Date Placeholder 4">
             <a:extLst>
               <a:ext uri="{FF2B5EF4-FFF2-40B4-BE49-F238E27FC236}">
-                <a16:creationId xmlns:a16="http://schemas.microsoft.com/office/drawing/2014/main" id="{97327DDB-CE95-4C89-DFC5-7DDBFC24E89C}"/>
+                <a16:creationId xmlns:a16="http://schemas.microsoft.com/office/drawing/2014/main" id="{129067F3-61D2-37CE-AA68-ED36FE1E6AE7}"/>
               </a:ext>
             </a:extLst>
           </p:cNvPr>
@@ -2922,7 +2670,7 @@
           <a:p>
             <a:fld id="{E80C50CD-E178-4744-9B35-B2F624D6C5E9}" type="datetimeFigureOut">
               <a:rPr lang="en-US" smtClean="0"/>
-              <a:t>7/6/2025</a:t>
+              <a:t>7/7/2025</a:t>
             </a:fld>
             <a:endParaRPr lang="en-US"/>
           </a:p>
@@ -2933,7 +2681,7 @@
           <p:cNvPr id="6" name="Footer Placeholder 5">
             <a:extLst>
               <a:ext uri="{FF2B5EF4-FFF2-40B4-BE49-F238E27FC236}">
-                <a16:creationId xmlns:a16="http://schemas.microsoft.com/office/drawing/2014/main" id="{0522C835-F3B5-943C-FFC4-D5BA9666AF34}"/>
+                <a16:creationId xmlns:a16="http://schemas.microsoft.com/office/drawing/2014/main" id="{B5D4BCFA-CA1F-254F-C72A-D27AA6E0C05E}"/>
               </a:ext>
             </a:extLst>
           </p:cNvPr>
@@ -2958,7 +2706,7 @@
           <p:cNvPr id="7" name="Slide Number Placeholder 6">
             <a:extLst>
               <a:ext uri="{FF2B5EF4-FFF2-40B4-BE49-F238E27FC236}">
-                <a16:creationId xmlns:a16="http://schemas.microsoft.com/office/drawing/2014/main" id="{68709891-6E3C-ADED-01DD-15FCED37AF4A}"/>
+                <a16:creationId xmlns:a16="http://schemas.microsoft.com/office/drawing/2014/main" id="{F49E0A79-4946-73B9-7B05-9F5A1BA56BA8}"/>
               </a:ext>
             </a:extLst>
           </p:cNvPr>
@@ -2985,7 +2733,7 @@
     </p:spTree>
     <p:extLst>
       <p:ext uri="{BB962C8B-B14F-4D97-AF65-F5344CB8AC3E}">
-        <p14:creationId xmlns:p14="http://schemas.microsoft.com/office/powerpoint/2010/main" val="2219092102"/>
+        <p14:creationId xmlns:p14="http://schemas.microsoft.com/office/powerpoint/2010/main" val="1208634478"/>
       </p:ext>
     </p:extLst>
   </p:cSld>
@@ -2999,14 +2747,9 @@
 <p:sldMaster xmlns:a="http://schemas.openxmlformats.org/drawingml/2006/main" xmlns:r="http://schemas.openxmlformats.org/officeDocument/2006/relationships" xmlns:p="http://schemas.openxmlformats.org/presentationml/2006/main">
   <p:cSld>
     <p:bg>
-      <p:bgPr>
-        <a:solidFill>
-          <a:schemeClr val="bg1">
-            <a:alpha val="0"/>
-          </a:schemeClr>
-        </a:solidFill>
-        <a:effectLst/>
-      </p:bgPr>
+      <p:bgRef idx="1001">
+        <a:schemeClr val="bg1"/>
+      </p:bgRef>
     </p:bg>
     <p:spTree>
       <p:nvGrpSpPr>
@@ -3027,7 +2770,7 @@
           <p:cNvPr id="2" name="Title Placeholder 1">
             <a:extLst>
               <a:ext uri="{FF2B5EF4-FFF2-40B4-BE49-F238E27FC236}">
-                <a16:creationId xmlns:a16="http://schemas.microsoft.com/office/drawing/2014/main" id="{C31A28D7-6581-4956-AAE3-9104804DF55B}"/>
+                <a16:creationId xmlns:a16="http://schemas.microsoft.com/office/drawing/2014/main" id="{1FB67030-EC72-0300-2955-A22BF223AF58}"/>
               </a:ext>
             </a:extLst>
           </p:cNvPr>
@@ -3040,21 +2783,21 @@
         </p:nvSpPr>
         <p:spPr>
           <a:xfrm>
-            <a:off x="521208" y="978408"/>
-            <a:ext cx="11155680" cy="1463040"/>
+            <a:off x="838200" y="365125"/>
+            <a:ext cx="10515600" cy="1325563"/>
           </a:xfrm>
           <a:prstGeom prst="rect">
             <a:avLst/>
           </a:prstGeom>
         </p:spPr>
         <p:txBody>
-          <a:bodyPr vert="horz" lIns="91440" tIns="45720" rIns="91440" bIns="45720" rtlCol="0" anchor="t">
+          <a:bodyPr vert="horz" lIns="91440" tIns="45720" rIns="91440" bIns="45720" rtlCol="0" anchor="ctr">
             <a:normAutofit/>
           </a:bodyPr>
           <a:lstStyle/>
           <a:p>
             <a:r>
-              <a:rPr lang="en-US" dirty="0"/>
+              <a:rPr lang="en-US"/>
               <a:t>Click to edit Master title style</a:t>
             </a:r>
           </a:p>
@@ -3065,7 +2808,7 @@
           <p:cNvPr id="3" name="Text Placeholder 2">
             <a:extLst>
               <a:ext uri="{FF2B5EF4-FFF2-40B4-BE49-F238E27FC236}">
-                <a16:creationId xmlns:a16="http://schemas.microsoft.com/office/drawing/2014/main" id="{F3CFCCA4-57A4-08A1-FC45-D2BBA66FABFA}"/>
+                <a16:creationId xmlns:a16="http://schemas.microsoft.com/office/drawing/2014/main" id="{A792DC15-F8B2-3D43-AB07-C3ECBF13A29F}"/>
               </a:ext>
             </a:extLst>
           </p:cNvPr>
@@ -3078,8 +2821,8 @@
         </p:nvSpPr>
         <p:spPr>
           <a:xfrm>
-            <a:off x="521208" y="2578608"/>
-            <a:ext cx="11155680" cy="3767328"/>
+            <a:off x="838200" y="1825625"/>
+            <a:ext cx="10515600" cy="4351338"/>
           </a:xfrm>
           <a:prstGeom prst="rect">
             <a:avLst/>
@@ -3093,35 +2836,35 @@
           <a:p>
             <a:pPr lvl="0"/>
             <a:r>
-              <a:rPr lang="en-US" dirty="0"/>
+              <a:rPr lang="en-US"/>
               <a:t>Click to edit Master text styles</a:t>
             </a:r>
           </a:p>
           <a:p>
             <a:pPr lvl="1"/>
             <a:r>
-              <a:rPr lang="en-US" dirty="0"/>
+              <a:rPr lang="en-US"/>
               <a:t>Second level</a:t>
             </a:r>
           </a:p>
           <a:p>
             <a:pPr lvl="2"/>
             <a:r>
-              <a:rPr lang="en-US" dirty="0"/>
+              <a:rPr lang="en-US"/>
               <a:t>Third level</a:t>
             </a:r>
           </a:p>
           <a:p>
             <a:pPr lvl="3"/>
             <a:r>
-              <a:rPr lang="en-US" dirty="0"/>
+              <a:rPr lang="en-US"/>
               <a:t>Fourth level</a:t>
             </a:r>
           </a:p>
           <a:p>
             <a:pPr lvl="4"/>
             <a:r>
-              <a:rPr lang="en-US" dirty="0"/>
+              <a:rPr lang="en-US"/>
               <a:t>Fifth level</a:t>
             </a:r>
           </a:p>
@@ -3132,7 +2875,7 @@
           <p:cNvPr id="4" name="Date Placeholder 3">
             <a:extLst>
               <a:ext uri="{FF2B5EF4-FFF2-40B4-BE49-F238E27FC236}">
-                <a16:creationId xmlns:a16="http://schemas.microsoft.com/office/drawing/2014/main" id="{B0FAA0F4-2442-8D45-3C3D-1B8F55C8683A}"/>
+                <a16:creationId xmlns:a16="http://schemas.microsoft.com/office/drawing/2014/main" id="{1915ED1D-5CEC-EF77-DAF5-E5DC1ABE94C8}"/>
               </a:ext>
             </a:extLst>
           </p:cNvPr>
@@ -3145,7 +2888,7 @@
         </p:nvSpPr>
         <p:spPr>
           <a:xfrm>
-            <a:off x="521208" y="6419088"/>
+            <a:off x="838200" y="6356350"/>
             <a:ext cx="2743200" cy="365125"/>
           </a:xfrm>
           <a:prstGeom prst="rect">
@@ -3156,9 +2899,11 @@
           <a:bodyPr vert="horz" lIns="91440" tIns="45720" rIns="91440" bIns="45720" rtlCol="0" anchor="ctr"/>
           <a:lstStyle>
             <a:lvl1pPr algn="l">
-              <a:defRPr sz="900">
+              <a:defRPr sz="1200">
                 <a:solidFill>
-                  <a:schemeClr val="tx1"/>
+                  <a:schemeClr val="tx1">
+                    <a:tint val="82000"/>
+                  </a:schemeClr>
                 </a:solidFill>
               </a:defRPr>
             </a:lvl1pPr>
@@ -3167,7 +2912,7 @@
             <a:fld id="{E80C50CD-E178-4744-9B35-B2F624D6C5E9}" type="datetimeFigureOut">
               <a:rPr lang="en-US" smtClean="0"/>
               <a:pPr/>
-              <a:t>7/6/2025</a:t>
+              <a:t>7/7/2025</a:t>
             </a:fld>
             <a:endParaRPr lang="en-US"/>
           </a:p>
@@ -3178,7 +2923,7 @@
           <p:cNvPr id="5" name="Footer Placeholder 4">
             <a:extLst>
               <a:ext uri="{FF2B5EF4-FFF2-40B4-BE49-F238E27FC236}">
-                <a16:creationId xmlns:a16="http://schemas.microsoft.com/office/drawing/2014/main" id="{9E03785E-FB42-1D54-92AC-D0A61A8FABD4}"/>
+                <a16:creationId xmlns:a16="http://schemas.microsoft.com/office/drawing/2014/main" id="{1DFF4233-593A-6C8B-4E15-497EE46F528B}"/>
               </a:ext>
             </a:extLst>
           </p:cNvPr>
@@ -3191,7 +2936,7 @@
         </p:nvSpPr>
         <p:spPr>
           <a:xfrm>
-            <a:off x="521208" y="100584"/>
+            <a:off x="4038600" y="6356350"/>
             <a:ext cx="4114800" cy="365125"/>
           </a:xfrm>
           <a:prstGeom prst="rect">
@@ -3201,10 +2946,12 @@
         <p:txBody>
           <a:bodyPr vert="horz" lIns="91440" tIns="45720" rIns="91440" bIns="45720" rtlCol="0" anchor="ctr"/>
           <a:lstStyle>
-            <a:lvl1pPr algn="l">
-              <a:defRPr sz="900">
+            <a:lvl1pPr algn="ctr">
+              <a:defRPr sz="1200">
                 <a:solidFill>
-                  <a:schemeClr val="tx1"/>
+                  <a:schemeClr val="tx1">
+                    <a:tint val="82000"/>
+                  </a:schemeClr>
                 </a:solidFill>
               </a:defRPr>
             </a:lvl1pPr>
@@ -3219,7 +2966,7 @@
           <p:cNvPr id="6" name="Slide Number Placeholder 5">
             <a:extLst>
               <a:ext uri="{FF2B5EF4-FFF2-40B4-BE49-F238E27FC236}">
-                <a16:creationId xmlns:a16="http://schemas.microsoft.com/office/drawing/2014/main" id="{BCC9CF34-1274-DB45-4809-90E5D244A9AE}"/>
+                <a16:creationId xmlns:a16="http://schemas.microsoft.com/office/drawing/2014/main" id="{62638068-BA7A-1359-6CCA-CF4A1AFFA46B}"/>
               </a:ext>
             </a:extLst>
           </p:cNvPr>
@@ -3232,8 +2979,8 @@
         </p:nvSpPr>
         <p:spPr>
           <a:xfrm>
-            <a:off x="11457432" y="6419088"/>
-            <a:ext cx="640080" cy="365125"/>
+            <a:off x="8610600" y="6356350"/>
+            <a:ext cx="2743200" cy="365125"/>
           </a:xfrm>
           <a:prstGeom prst="rect">
             <a:avLst/>
@@ -3243,9 +2990,11 @@
           <a:bodyPr vert="horz" lIns="91440" tIns="45720" rIns="91440" bIns="45720" rtlCol="0" anchor="ctr"/>
           <a:lstStyle>
             <a:lvl1pPr algn="r">
-              <a:defRPr sz="900">
+              <a:defRPr sz="1200">
                 <a:solidFill>
-                  <a:schemeClr val="tx1"/>
+                  <a:schemeClr val="tx1">
+                    <a:tint val="82000"/>
+                  </a:schemeClr>
                 </a:solidFill>
               </a:defRPr>
             </a:lvl1pPr>
@@ -3260,138 +3009,38 @@
           </a:p>
         </p:txBody>
       </p:sp>
-      <p:sp>
-        <p:nvSpPr>
-          <p:cNvPr id="7" name="Freeform: Shape 6">
-            <a:extLst>
-              <a:ext uri="{FF2B5EF4-FFF2-40B4-BE49-F238E27FC236}">
-                <a16:creationId xmlns:a16="http://schemas.microsoft.com/office/drawing/2014/main" id="{774A975B-A886-5202-0489-6965514A0D14}"/>
-              </a:ext>
-              <a:ext uri="{C183D7F6-B498-43B3-948B-1728B52AA6E4}">
-                <adec:decorative xmlns:adec="http://schemas.microsoft.com/office/drawing/2017/decorative" val="1"/>
-              </a:ext>
-            </a:extLst>
-          </p:cNvPr>
-          <p:cNvSpPr/>
-          <p:nvPr/>
-        </p:nvSpPr>
-        <p:spPr>
-          <a:xfrm>
-            <a:off x="517869" y="508090"/>
-            <a:ext cx="11153214" cy="149279"/>
-          </a:xfrm>
-          <a:custGeom>
-            <a:avLst/>
-            <a:gdLst>
-              <a:gd name="connsiteX0" fmla="*/ 0 w 8085002"/>
-              <a:gd name="connsiteY0" fmla="*/ 0 h 149279"/>
-              <a:gd name="connsiteX1" fmla="*/ 8085002 w 8085002"/>
-              <a:gd name="connsiteY1" fmla="*/ 0 h 149279"/>
-              <a:gd name="connsiteX2" fmla="*/ 8085002 w 8085002"/>
-              <a:gd name="connsiteY2" fmla="*/ 149279 h 149279"/>
-              <a:gd name="connsiteX3" fmla="*/ 0 w 8085002"/>
-              <a:gd name="connsiteY3" fmla="*/ 149279 h 149279"/>
-            </a:gdLst>
-            <a:ahLst/>
-            <a:cxnLst>
-              <a:cxn ang="0">
-                <a:pos x="connsiteX0" y="connsiteY0"/>
-              </a:cxn>
-              <a:cxn ang="0">
-                <a:pos x="connsiteX1" y="connsiteY1"/>
-              </a:cxn>
-              <a:cxn ang="0">
-                <a:pos x="connsiteX2" y="connsiteY2"/>
-              </a:cxn>
-              <a:cxn ang="0">
-                <a:pos x="connsiteX3" y="connsiteY3"/>
-              </a:cxn>
-            </a:cxnLst>
-            <a:rect l="l" t="t" r="r" b="b"/>
-            <a:pathLst>
-              <a:path w="8085002" h="149279">
-                <a:moveTo>
-                  <a:pt x="0" y="0"/>
-                </a:moveTo>
-                <a:lnTo>
-                  <a:pt x="8085002" y="0"/>
-                </a:lnTo>
-                <a:lnTo>
-                  <a:pt x="8085002" y="149279"/>
-                </a:lnTo>
-                <a:lnTo>
-                  <a:pt x="0" y="149279"/>
-                </a:lnTo>
-                <a:close/>
-              </a:path>
-            </a:pathLst>
-          </a:custGeom>
-          <a:solidFill>
-            <a:schemeClr val="tx1"/>
-          </a:solidFill>
-          <a:ln>
-            <a:noFill/>
-          </a:ln>
-        </p:spPr>
-        <p:style>
-          <a:lnRef idx="2">
-            <a:schemeClr val="accent1">
-              <a:shade val="50000"/>
-            </a:schemeClr>
-          </a:lnRef>
-          <a:fillRef idx="1">
-            <a:schemeClr val="accent1"/>
-          </a:fillRef>
-          <a:effectRef idx="0">
-            <a:schemeClr val="accent1"/>
-          </a:effectRef>
-          <a:fontRef idx="minor">
-            <a:schemeClr val="lt1"/>
-          </a:fontRef>
-        </p:style>
-        <p:txBody>
-          <a:bodyPr wrap="square" rtlCol="0" anchor="ctr">
-            <a:noAutofit/>
-          </a:bodyPr>
-          <a:lstStyle/>
-          <a:p>
-            <a:pPr algn="ctr"/>
-            <a:endParaRPr lang="en-US"/>
-          </a:p>
-        </p:txBody>
-      </p:sp>
     </p:spTree>
     <p:extLst>
       <p:ext uri="{BB962C8B-B14F-4D97-AF65-F5344CB8AC3E}">
-        <p14:creationId xmlns:p14="http://schemas.microsoft.com/office/powerpoint/2010/main" val="2855050604"/>
+        <p14:creationId xmlns:p14="http://schemas.microsoft.com/office/powerpoint/2010/main" val="3575608221"/>
       </p:ext>
     </p:extLst>
   </p:cSld>
   <p:clrMap bg1="lt1" tx1="dk1" bg2="lt2" tx2="dk2" accent1="accent1" accent2="accent2" accent3="accent3" accent4="accent4" accent5="accent5" accent6="accent6" hlink="hlink" folHlink="folHlink"/>
   <p:sldLayoutIdLst>
-    <p:sldLayoutId id="2147483671" r:id="rId1"/>
-    <p:sldLayoutId id="2147483670" r:id="rId2"/>
-    <p:sldLayoutId id="2147483669" r:id="rId3"/>
-    <p:sldLayoutId id="2147483668" r:id="rId4"/>
-    <p:sldLayoutId id="2147483667" r:id="rId5"/>
-    <p:sldLayoutId id="2147483666" r:id="rId6"/>
-    <p:sldLayoutId id="2147483665" r:id="rId7"/>
-    <p:sldLayoutId id="2147483664" r:id="rId8"/>
-    <p:sldLayoutId id="2147483663" r:id="rId9"/>
-    <p:sldLayoutId id="2147483662" r:id="rId10"/>
-    <p:sldLayoutId id="2147483661" r:id="rId11"/>
+    <p:sldLayoutId id="2147483673" r:id="rId1"/>
+    <p:sldLayoutId id="2147483674" r:id="rId2"/>
+    <p:sldLayoutId id="2147483675" r:id="rId3"/>
+    <p:sldLayoutId id="2147483676" r:id="rId4"/>
+    <p:sldLayoutId id="2147483677" r:id="rId5"/>
+    <p:sldLayoutId id="2147483678" r:id="rId6"/>
+    <p:sldLayoutId id="2147483679" r:id="rId7"/>
+    <p:sldLayoutId id="2147483680" r:id="rId8"/>
+    <p:sldLayoutId id="2147483681" r:id="rId9"/>
+    <p:sldLayoutId id="2147483682" r:id="rId10"/>
+    <p:sldLayoutId id="2147483683" r:id="rId11"/>
   </p:sldLayoutIdLst>
   <p:txStyles>
     <p:titleStyle>
       <a:lvl1pPr algn="l" defTabSz="914400" rtl="0" eaLnBrk="1" latinLnBrk="0" hangingPunct="1">
         <a:lnSpc>
-          <a:spcPct val="100000"/>
+          <a:spcPct val="90000"/>
         </a:lnSpc>
         <a:spcBef>
           <a:spcPct val="0"/>
         </a:spcBef>
         <a:buNone/>
-        <a:defRPr sz="4400" b="1" kern="1200">
+        <a:defRPr sz="4400" kern="1200">
           <a:solidFill>
             <a:schemeClr val="tx1"/>
           </a:solidFill>
@@ -3404,10 +3053,64 @@
     <p:bodyStyle>
       <a:lvl1pPr marL="228600" indent="-228600" algn="l" defTabSz="914400" rtl="0" eaLnBrk="1" latinLnBrk="0" hangingPunct="1">
         <a:lnSpc>
-          <a:spcPct val="110000"/>
+          <a:spcPct val="90000"/>
         </a:lnSpc>
         <a:spcBef>
           <a:spcPts val="1000"/>
+        </a:spcBef>
+        <a:buFont typeface="Arial" panose="020B0604020202020204" pitchFamily="34" charset="0"/>
+        <a:buChar char="•"/>
+        <a:defRPr sz="2800" kern="1200">
+          <a:solidFill>
+            <a:schemeClr val="tx1"/>
+          </a:solidFill>
+          <a:latin typeface="+mn-lt"/>
+          <a:ea typeface="+mn-ea"/>
+          <a:cs typeface="+mn-cs"/>
+        </a:defRPr>
+      </a:lvl1pPr>
+      <a:lvl2pPr marL="685800" indent="-228600" algn="l" defTabSz="914400" rtl="0" eaLnBrk="1" latinLnBrk="0" hangingPunct="1">
+        <a:lnSpc>
+          <a:spcPct val="90000"/>
+        </a:lnSpc>
+        <a:spcBef>
+          <a:spcPts val="500"/>
+        </a:spcBef>
+        <a:buFont typeface="Arial" panose="020B0604020202020204" pitchFamily="34" charset="0"/>
+        <a:buChar char="•"/>
+        <a:defRPr sz="2400" kern="1200">
+          <a:solidFill>
+            <a:schemeClr val="tx1"/>
+          </a:solidFill>
+          <a:latin typeface="+mn-lt"/>
+          <a:ea typeface="+mn-ea"/>
+          <a:cs typeface="+mn-cs"/>
+        </a:defRPr>
+      </a:lvl2pPr>
+      <a:lvl3pPr marL="1143000" indent="-228600" algn="l" defTabSz="914400" rtl="0" eaLnBrk="1" latinLnBrk="0" hangingPunct="1">
+        <a:lnSpc>
+          <a:spcPct val="90000"/>
+        </a:lnSpc>
+        <a:spcBef>
+          <a:spcPts val="500"/>
+        </a:spcBef>
+        <a:buFont typeface="Arial" panose="020B0604020202020204" pitchFamily="34" charset="0"/>
+        <a:buChar char="•"/>
+        <a:defRPr sz="2000" kern="1200">
+          <a:solidFill>
+            <a:schemeClr val="tx1"/>
+          </a:solidFill>
+          <a:latin typeface="+mn-lt"/>
+          <a:ea typeface="+mn-ea"/>
+          <a:cs typeface="+mn-cs"/>
+        </a:defRPr>
+      </a:lvl3pPr>
+      <a:lvl4pPr marL="1600200" indent="-228600" algn="l" defTabSz="914400" rtl="0" eaLnBrk="1" latinLnBrk="0" hangingPunct="1">
+        <a:lnSpc>
+          <a:spcPct val="90000"/>
+        </a:lnSpc>
+        <a:spcBef>
+          <a:spcPts val="500"/>
         </a:spcBef>
         <a:buFont typeface="Arial" panose="020B0604020202020204" pitchFamily="34" charset="0"/>
         <a:buChar char="•"/>
@@ -3419,71 +3122,17 @@
           <a:ea typeface="+mn-ea"/>
           <a:cs typeface="+mn-cs"/>
         </a:defRPr>
-      </a:lvl1pPr>
-      <a:lvl2pPr marL="685800" indent="-228600" algn="l" defTabSz="914400" rtl="0" eaLnBrk="1" latinLnBrk="0" hangingPunct="1">
+      </a:lvl4pPr>
+      <a:lvl5pPr marL="2057400" indent="-228600" algn="l" defTabSz="914400" rtl="0" eaLnBrk="1" latinLnBrk="0" hangingPunct="1">
         <a:lnSpc>
-          <a:spcPct val="110000"/>
+          <a:spcPct val="90000"/>
         </a:lnSpc>
         <a:spcBef>
           <a:spcPts val="500"/>
         </a:spcBef>
         <a:buFont typeface="Arial" panose="020B0604020202020204" pitchFamily="34" charset="0"/>
         <a:buChar char="•"/>
-        <a:defRPr sz="1600" kern="1200">
-          <a:solidFill>
-            <a:schemeClr val="tx1"/>
-          </a:solidFill>
-          <a:latin typeface="+mn-lt"/>
-          <a:ea typeface="+mn-ea"/>
-          <a:cs typeface="+mn-cs"/>
-        </a:defRPr>
-      </a:lvl2pPr>
-      <a:lvl3pPr marL="1143000" indent="-228600" algn="l" defTabSz="914400" rtl="0" eaLnBrk="1" latinLnBrk="0" hangingPunct="1">
-        <a:lnSpc>
-          <a:spcPct val="110000"/>
-        </a:lnSpc>
-        <a:spcBef>
-          <a:spcPts val="500"/>
-        </a:spcBef>
-        <a:buFont typeface="Arial" panose="020B0604020202020204" pitchFamily="34" charset="0"/>
-        <a:buChar char="•"/>
-        <a:defRPr sz="1400" kern="1200">
-          <a:solidFill>
-            <a:schemeClr val="tx1"/>
-          </a:solidFill>
-          <a:latin typeface="+mn-lt"/>
-          <a:ea typeface="+mn-ea"/>
-          <a:cs typeface="+mn-cs"/>
-        </a:defRPr>
-      </a:lvl3pPr>
-      <a:lvl4pPr marL="1600200" indent="-228600" algn="l" defTabSz="914400" rtl="0" eaLnBrk="1" latinLnBrk="0" hangingPunct="1">
-        <a:lnSpc>
-          <a:spcPct val="110000"/>
-        </a:lnSpc>
-        <a:spcBef>
-          <a:spcPts val="500"/>
-        </a:spcBef>
-        <a:buFont typeface="Arial" panose="020B0604020202020204" pitchFamily="34" charset="0"/>
-        <a:buChar char="•"/>
-        <a:defRPr sz="1200" kern="1200">
-          <a:solidFill>
-            <a:schemeClr val="tx1"/>
-          </a:solidFill>
-          <a:latin typeface="+mn-lt"/>
-          <a:ea typeface="+mn-ea"/>
-          <a:cs typeface="+mn-cs"/>
-        </a:defRPr>
-      </a:lvl4pPr>
-      <a:lvl5pPr marL="2057400" indent="-228600" algn="l" defTabSz="914400" rtl="0" eaLnBrk="1" latinLnBrk="0" hangingPunct="1">
-        <a:lnSpc>
-          <a:spcPct val="110000"/>
-        </a:lnSpc>
-        <a:spcBef>
-          <a:spcPts val="500"/>
-        </a:spcBef>
-        <a:buFont typeface="Arial" panose="020B0604020202020204" pitchFamily="34" charset="0"/>
-        <a:buChar char="•"/>
-        <a:defRPr sz="1200" kern="1200">
+        <a:defRPr sz="1800" kern="1200">
           <a:solidFill>
             <a:schemeClr val="tx1"/>
           </a:solidFill>
@@ -4043,6 +3692,381 @@
     <p:bg>
       <p:bgPr>
         <a:solidFill>
+          <a:srgbClr val="000000">
+            <a:alpha val="0"/>
+          </a:srgbClr>
+        </a:solidFill>
+        <a:effectLst/>
+      </p:bgPr>
+    </p:bg>
+    <p:spTree>
+      <p:nvGrpSpPr>
+        <p:cNvPr id="1" name=""/>
+        <p:cNvGrpSpPr/>
+        <p:nvPr/>
+      </p:nvGrpSpPr>
+      <p:grpSpPr>
+        <a:xfrm>
+          <a:off x="0" y="0"/>
+          <a:ext cx="0" cy="0"/>
+          <a:chOff x="0" y="0"/>
+          <a:chExt cx="0" cy="0"/>
+        </a:xfrm>
+      </p:grpSpPr>
+      <p:grpSp>
+        <p:nvGrpSpPr>
+          <p:cNvPr id="3" name="Group 2">
+            <a:extLst>
+              <a:ext uri="{FF2B5EF4-FFF2-40B4-BE49-F238E27FC236}">
+                <a16:creationId xmlns:a16="http://schemas.microsoft.com/office/drawing/2014/main" id="{62158E6D-EF97-18F7-311B-B65856235838}"/>
+              </a:ext>
+            </a:extLst>
+          </p:cNvPr>
+          <p:cNvGrpSpPr/>
+          <p:nvPr/>
+        </p:nvGrpSpPr>
+        <p:grpSpPr>
+          <a:xfrm>
+            <a:off x="2441863" y="150360"/>
+            <a:ext cx="6927272" cy="1658630"/>
+            <a:chOff x="2707007" y="883685"/>
+            <a:chExt cx="6927272" cy="1658630"/>
+          </a:xfrm>
+        </p:grpSpPr>
+        <p:sp>
+          <p:nvSpPr>
+            <p:cNvPr id="4" name="TextBox 3">
+              <a:extLst>
+                <a:ext uri="{FF2B5EF4-FFF2-40B4-BE49-F238E27FC236}">
+                  <a16:creationId xmlns:a16="http://schemas.microsoft.com/office/drawing/2014/main" id="{70C1C41C-EA15-509B-39FB-E0787B8A42B6}"/>
+                </a:ext>
+              </a:extLst>
+            </p:cNvPr>
+            <p:cNvSpPr txBox="1"/>
+            <p:nvPr/>
+          </p:nvSpPr>
+          <p:spPr>
+            <a:xfrm>
+              <a:off x="2707007" y="972655"/>
+              <a:ext cx="6927272" cy="1569660"/>
+            </a:xfrm>
+            <a:prstGeom prst="rect">
+              <a:avLst/>
+            </a:prstGeom>
+            <a:noFill/>
+          </p:spPr>
+          <p:txBody>
+            <a:bodyPr wrap="square" rtlCol="0">
+              <a:spAutoFit/>
+            </a:bodyPr>
+            <a:lstStyle/>
+            <a:p>
+              <a:r>
+                <a:rPr lang="en-US" sz="9600" dirty="0">
+                  <a:solidFill>
+                    <a:srgbClr val="E00000"/>
+                  </a:solidFill>
+                  <a:latin typeface="Aachen" pitchFamily="50" charset="0"/>
+                </a:rPr>
+                <a:t>Codelodex</a:t>
+              </a:r>
+            </a:p>
+          </p:txBody>
+        </p:sp>
+        <p:sp>
+          <p:nvSpPr>
+            <p:cNvPr id="5" name="TextBox 4">
+              <a:extLst>
+                <a:ext uri="{FF2B5EF4-FFF2-40B4-BE49-F238E27FC236}">
+                  <a16:creationId xmlns:a16="http://schemas.microsoft.com/office/drawing/2014/main" id="{F438E768-B7D3-3EAA-5419-ECA7C7CE2DE1}"/>
+                </a:ext>
+              </a:extLst>
+            </p:cNvPr>
+            <p:cNvSpPr txBox="1"/>
+            <p:nvPr/>
+          </p:nvSpPr>
+          <p:spPr>
+            <a:xfrm>
+              <a:off x="2707007" y="883685"/>
+              <a:ext cx="6927272" cy="1569660"/>
+            </a:xfrm>
+            <a:prstGeom prst="rect">
+              <a:avLst/>
+            </a:prstGeom>
+            <a:noFill/>
+          </p:spPr>
+          <p:txBody>
+            <a:bodyPr wrap="square" rtlCol="0">
+              <a:spAutoFit/>
+            </a:bodyPr>
+            <a:lstStyle/>
+            <a:p>
+              <a:r>
+                <a:rPr lang="en-US" sz="9600" dirty="0">
+                  <a:solidFill>
+                    <a:srgbClr val="FFA800"/>
+                  </a:solidFill>
+                  <a:latin typeface="Aachen" pitchFamily="50" charset="0"/>
+                </a:rPr>
+                <a:t>Codelodex</a:t>
+              </a:r>
+            </a:p>
+          </p:txBody>
+        </p:sp>
+      </p:grpSp>
+      <p:sp>
+        <p:nvSpPr>
+          <p:cNvPr id="6" name="TextBox 5">
+            <a:extLst>
+              <a:ext uri="{FF2B5EF4-FFF2-40B4-BE49-F238E27FC236}">
+                <a16:creationId xmlns:a16="http://schemas.microsoft.com/office/drawing/2014/main" id="{C5933E81-FFA4-97E1-5CD2-9A47F63906BD}"/>
+              </a:ext>
+            </a:extLst>
+          </p:cNvPr>
+          <p:cNvSpPr txBox="1"/>
+          <p:nvPr/>
+        </p:nvSpPr>
+        <p:spPr>
+          <a:xfrm>
+            <a:off x="3091044" y="2469460"/>
+            <a:ext cx="6009911" cy="3693319"/>
+          </a:xfrm>
+          <a:prstGeom prst="rect">
+            <a:avLst/>
+          </a:prstGeom>
+          <a:noFill/>
+        </p:spPr>
+        <p:txBody>
+          <a:bodyPr wrap="square" rtlCol="0">
+            <a:spAutoFit/>
+          </a:bodyPr>
+          <a:lstStyle/>
+          <a:p>
+            <a:r>
+              <a:rPr lang="en-US" b="1" dirty="0">
+                <a:solidFill>
+                  <a:schemeClr val="bg1"/>
+                </a:solidFill>
+                <a:latin typeface="Times New Roman" panose="02020603050405020304" pitchFamily="18" charset="0"/>
+                <a:cs typeface="Times New Roman" panose="02020603050405020304" pitchFamily="18" charset="0"/>
+              </a:rPr>
+              <a:t>code</a:t>
+            </a:r>
+            <a:r>
+              <a:rPr lang="en-US" dirty="0">
+                <a:solidFill>
+                  <a:schemeClr val="bg1"/>
+                </a:solidFill>
+                <a:latin typeface="Times New Roman" panose="02020603050405020304" pitchFamily="18" charset="0"/>
+                <a:cs typeface="Times New Roman" panose="02020603050405020304" pitchFamily="18" charset="0"/>
+              </a:rPr>
+              <a:t> /</a:t>
+            </a:r>
+            <a:r>
+              <a:rPr lang="en-US" dirty="0" err="1">
+                <a:solidFill>
+                  <a:schemeClr val="bg1"/>
+                </a:solidFill>
+                <a:latin typeface="Times New Roman" panose="02020603050405020304" pitchFamily="18" charset="0"/>
+                <a:cs typeface="Times New Roman" panose="02020603050405020304" pitchFamily="18" charset="0"/>
+              </a:rPr>
+              <a:t>kōd</a:t>
+            </a:r>
+            <a:r>
+              <a:rPr lang="en-US" dirty="0">
+                <a:solidFill>
+                  <a:schemeClr val="bg1"/>
+                </a:solidFill>
+                <a:latin typeface="Times New Roman" panose="02020603050405020304" pitchFamily="18" charset="0"/>
+                <a:cs typeface="Times New Roman" panose="02020603050405020304" pitchFamily="18" charset="0"/>
+              </a:rPr>
+              <a:t>/ </a:t>
+            </a:r>
+            <a:r>
+              <a:rPr lang="en-US" i="1" dirty="0">
+                <a:solidFill>
+                  <a:schemeClr val="bg1"/>
+                </a:solidFill>
+                <a:latin typeface="Times New Roman" panose="02020603050405020304" pitchFamily="18" charset="0"/>
+                <a:cs typeface="Times New Roman" panose="02020603050405020304" pitchFamily="18" charset="0"/>
+              </a:rPr>
+              <a:t>n. </a:t>
+            </a:r>
+            <a:r>
+              <a:rPr lang="en-US" b="1" dirty="0">
+                <a:solidFill>
+                  <a:schemeClr val="bg1"/>
+                </a:solidFill>
+                <a:latin typeface="Times New Roman" panose="02020603050405020304" pitchFamily="18" charset="0"/>
+                <a:cs typeface="Times New Roman" panose="02020603050405020304" pitchFamily="18" charset="0"/>
+              </a:rPr>
+              <a:t>1. </a:t>
+            </a:r>
+            <a:r>
+              <a:rPr lang="en-US" dirty="0">
+                <a:solidFill>
+                  <a:schemeClr val="bg1"/>
+                </a:solidFill>
+                <a:latin typeface="Times New Roman" panose="02020603050405020304" pitchFamily="18" charset="0"/>
+                <a:cs typeface="Times New Roman" panose="02020603050405020304" pitchFamily="18" charset="0"/>
+              </a:rPr>
+              <a:t>a system of words, letters, figures, or other symbols substituted for other words, letters, etc., especially for the purposes of secrecy.</a:t>
+            </a:r>
+          </a:p>
+          <a:p>
+            <a:r>
+              <a:rPr lang="en-US" b="1" dirty="0">
+                <a:solidFill>
+                  <a:schemeClr val="bg1"/>
+                </a:solidFill>
+                <a:latin typeface="Times New Roman" panose="02020603050405020304" pitchFamily="18" charset="0"/>
+                <a:cs typeface="Times New Roman" panose="02020603050405020304" pitchFamily="18" charset="0"/>
+              </a:rPr>
+              <a:t>2. </a:t>
+            </a:r>
+            <a:r>
+              <a:rPr lang="en-US" dirty="0">
+                <a:solidFill>
+                  <a:schemeClr val="bg1"/>
+                </a:solidFill>
+                <a:latin typeface="Times New Roman" panose="02020603050405020304" pitchFamily="18" charset="0"/>
+                <a:cs typeface="Times New Roman" panose="02020603050405020304" pitchFamily="18" charset="0"/>
+              </a:rPr>
+              <a:t>program instructions.</a:t>
+            </a:r>
+          </a:p>
+          <a:p>
+            <a:endParaRPr lang="en-US" dirty="0">
+              <a:solidFill>
+                <a:schemeClr val="bg1"/>
+              </a:solidFill>
+              <a:latin typeface="Times New Roman" panose="02020603050405020304" pitchFamily="18" charset="0"/>
+              <a:cs typeface="Times New Roman" panose="02020603050405020304" pitchFamily="18" charset="0"/>
+            </a:endParaRPr>
+          </a:p>
+          <a:p>
+            <a:endParaRPr lang="en-US" dirty="0">
+              <a:solidFill>
+                <a:schemeClr val="bg1"/>
+              </a:solidFill>
+              <a:latin typeface="Times New Roman" panose="02020603050405020304" pitchFamily="18" charset="0"/>
+              <a:cs typeface="Times New Roman" panose="02020603050405020304" pitchFamily="18" charset="0"/>
+            </a:endParaRPr>
+          </a:p>
+          <a:p>
+            <a:r>
+              <a:rPr lang="en-US" b="1" dirty="0">
+                <a:solidFill>
+                  <a:schemeClr val="bg1"/>
+                </a:solidFill>
+                <a:latin typeface="Times New Roman" panose="02020603050405020304" pitchFamily="18" charset="0"/>
+                <a:cs typeface="Times New Roman" panose="02020603050405020304" pitchFamily="18" charset="0"/>
+              </a:rPr>
+              <a:t>rolodex</a:t>
+            </a:r>
+            <a:r>
+              <a:rPr lang="en-US" dirty="0">
+                <a:solidFill>
+                  <a:schemeClr val="bg1"/>
+                </a:solidFill>
+                <a:latin typeface="Times New Roman" panose="02020603050405020304" pitchFamily="18" charset="0"/>
+                <a:cs typeface="Times New Roman" panose="02020603050405020304" pitchFamily="18" charset="0"/>
+              </a:rPr>
+              <a:t> /ˈ</a:t>
+            </a:r>
+            <a:r>
+              <a:rPr lang="en-US" dirty="0" err="1">
+                <a:solidFill>
+                  <a:schemeClr val="bg1"/>
+                </a:solidFill>
+                <a:latin typeface="Times New Roman" panose="02020603050405020304" pitchFamily="18" charset="0"/>
+                <a:cs typeface="Times New Roman" panose="02020603050405020304" pitchFamily="18" charset="0"/>
+              </a:rPr>
+              <a:t>rōləˌdeks</a:t>
+            </a:r>
+            <a:r>
+              <a:rPr lang="en-US" dirty="0">
+                <a:solidFill>
+                  <a:schemeClr val="bg1"/>
+                </a:solidFill>
+                <a:latin typeface="Times New Roman" panose="02020603050405020304" pitchFamily="18" charset="0"/>
+                <a:cs typeface="Times New Roman" panose="02020603050405020304" pitchFamily="18" charset="0"/>
+              </a:rPr>
+              <a:t>/ </a:t>
+            </a:r>
+            <a:r>
+              <a:rPr lang="en-US" i="1" dirty="0">
+                <a:solidFill>
+                  <a:schemeClr val="bg1"/>
+                </a:solidFill>
+                <a:latin typeface="Times New Roman" panose="02020603050405020304" pitchFamily="18" charset="0"/>
+                <a:cs typeface="Times New Roman" panose="02020603050405020304" pitchFamily="18" charset="0"/>
+              </a:rPr>
+              <a:t>n. </a:t>
+            </a:r>
+            <a:r>
+              <a:rPr lang="en-US" dirty="0">
+                <a:solidFill>
+                  <a:schemeClr val="bg1"/>
+                </a:solidFill>
+                <a:latin typeface="Times New Roman" panose="02020603050405020304" pitchFamily="18" charset="0"/>
+                <a:cs typeface="Times New Roman" panose="02020603050405020304" pitchFamily="18" charset="0"/>
+              </a:rPr>
+              <a:t>a desktop card index used to record names, addresses, and telephone numbers, in the form of a rotating spindle or a small tray to which removable cards are attached.</a:t>
+            </a:r>
+          </a:p>
+          <a:p>
+            <a:endParaRPr lang="en-US" dirty="0">
+              <a:solidFill>
+                <a:schemeClr val="bg1"/>
+              </a:solidFill>
+              <a:latin typeface="Times New Roman" panose="02020603050405020304" pitchFamily="18" charset="0"/>
+              <a:cs typeface="Times New Roman" panose="02020603050405020304" pitchFamily="18" charset="0"/>
+            </a:endParaRPr>
+          </a:p>
+          <a:p>
+            <a:endParaRPr lang="en-US" dirty="0">
+              <a:solidFill>
+                <a:schemeClr val="bg1"/>
+              </a:solidFill>
+              <a:latin typeface="Times New Roman" panose="02020603050405020304" pitchFamily="18" charset="0"/>
+              <a:cs typeface="Times New Roman" panose="02020603050405020304" pitchFamily="18" charset="0"/>
+            </a:endParaRPr>
+          </a:p>
+          <a:p>
+            <a:pPr algn="r"/>
+            <a:r>
+              <a:rPr lang="en-US" dirty="0">
+                <a:solidFill>
+                  <a:schemeClr val="bg1"/>
+                </a:solidFill>
+                <a:latin typeface="Times New Roman" panose="02020603050405020304" pitchFamily="18" charset="0"/>
+                <a:cs typeface="Times New Roman" panose="02020603050405020304" pitchFamily="18" charset="0"/>
+              </a:rPr>
+              <a:t>Oxford Languages</a:t>
+            </a:r>
+          </a:p>
+        </p:txBody>
+      </p:sp>
+    </p:spTree>
+    <p:extLst>
+      <p:ext uri="{BB962C8B-B14F-4D97-AF65-F5344CB8AC3E}">
+        <p14:creationId xmlns:p14="http://schemas.microsoft.com/office/powerpoint/2010/main" val="617912897"/>
+      </p:ext>
+    </p:extLst>
+  </p:cSld>
+  <p:clrMapOvr>
+    <a:masterClrMapping/>
+  </p:clrMapOvr>
+</p:sld>
+</file>
+
+<file path=ppt/slides/slide3.xml><?xml version="1.0" encoding="utf-8"?>
+<p:sld xmlns:a="http://schemas.openxmlformats.org/drawingml/2006/main" xmlns:r="http://schemas.openxmlformats.org/officeDocument/2006/relationships" xmlns:p="http://schemas.openxmlformats.org/presentationml/2006/main">
+  <p:cSld>
+    <p:bg>
+      <p:bgPr>
+        <a:solidFill>
           <a:schemeClr val="tx1"/>
         </a:solidFill>
         <a:effectLst/>
@@ -4162,56 +4186,150 @@
 </file>
 
 <file path=ppt/theme/theme1.xml><?xml version="1.0" encoding="utf-8"?>
-<a:theme xmlns:a="http://schemas.openxmlformats.org/drawingml/2006/main" name="GestaltVTI">
+<a:theme xmlns:a="http://schemas.openxmlformats.org/drawingml/2006/main" name="Office Theme">
   <a:themeElements>
-    <a:clrScheme name="Gestalt">
+    <a:clrScheme name="Office">
       <a:dk1>
-        <a:srgbClr val="000000"/>
+        <a:sysClr val="windowText" lastClr="000000"/>
       </a:dk1>
       <a:lt1>
         <a:sysClr val="window" lastClr="FFFFFF"/>
       </a:lt1>
       <a:dk2>
-        <a:srgbClr val="262626"/>
+        <a:srgbClr val="0E2841"/>
       </a:dk2>
       <a:lt2>
-        <a:srgbClr val="F7F7F7"/>
+        <a:srgbClr val="E8E8E8"/>
       </a:lt2>
       <a:accent1>
-        <a:srgbClr val="EBA000"/>
+        <a:srgbClr val="156082"/>
       </a:accent1>
       <a:accent2>
-        <a:srgbClr val="00BAC8"/>
+        <a:srgbClr val="E97132"/>
       </a:accent2>
       <a:accent3>
-        <a:srgbClr val="E64823"/>
+        <a:srgbClr val="196B24"/>
       </a:accent3>
       <a:accent4>
-        <a:srgbClr val="4D5AFF"/>
+        <a:srgbClr val="0F9ED5"/>
       </a:accent4>
       <a:accent5>
-        <a:srgbClr val="FE5D21"/>
+        <a:srgbClr val="A02B93"/>
       </a:accent5>
       <a:accent6>
-        <a:srgbClr val="00C777"/>
+        <a:srgbClr val="4EA72E"/>
       </a:accent6>
       <a:hlink>
-        <a:srgbClr val="2998E3"/>
+        <a:srgbClr val="467886"/>
       </a:hlink>
       <a:folHlink>
-        <a:srgbClr val="939393"/>
+        <a:srgbClr val="96607D"/>
       </a:folHlink>
     </a:clrScheme>
-    <a:fontScheme name="Gestalt">
+    <a:fontScheme name="Office">
       <a:majorFont>
-        <a:latin typeface="Bierstadt"/>
+        <a:latin typeface="Aptos Display" panose="02110004020202020204"/>
         <a:ea typeface=""/>
         <a:cs typeface=""/>
+        <a:font script="Jpan" typeface="游ゴシック Light"/>
+        <a:font script="Hang" typeface="맑은 고딕"/>
+        <a:font script="Hans" typeface="等线 Light"/>
+        <a:font script="Hant" typeface="新細明體"/>
+        <a:font script="Arab" typeface="Times New Roman"/>
+        <a:font script="Hebr" typeface="Times New Roman"/>
+        <a:font script="Thai" typeface="Angsana New"/>
+        <a:font script="Ethi" typeface="Nyala"/>
+        <a:font script="Beng" typeface="Vrinda"/>
+        <a:font script="Gujr" typeface="Shruti"/>
+        <a:font script="Khmr" typeface="MoolBoran"/>
+        <a:font script="Knda" typeface="Tunga"/>
+        <a:font script="Guru" typeface="Raavi"/>
+        <a:font script="Cans" typeface="Euphemia"/>
+        <a:font script="Cher" typeface="Plantagenet Cherokee"/>
+        <a:font script="Yiii" typeface="Microsoft Yi Baiti"/>
+        <a:font script="Tibt" typeface="Microsoft Himalaya"/>
+        <a:font script="Thaa" typeface="MV Boli"/>
+        <a:font script="Deva" typeface="Mangal"/>
+        <a:font script="Telu" typeface="Gautami"/>
+        <a:font script="Taml" typeface="Latha"/>
+        <a:font script="Syrc" typeface="Estrangelo Edessa"/>
+        <a:font script="Orya" typeface="Kalinga"/>
+        <a:font script="Mlym" typeface="Kartika"/>
+        <a:font script="Laoo" typeface="DokChampa"/>
+        <a:font script="Sinh" typeface="Iskoola Pota"/>
+        <a:font script="Mong" typeface="Mongolian Baiti"/>
+        <a:font script="Viet" typeface="Times New Roman"/>
+        <a:font script="Uigh" typeface="Microsoft Uighur"/>
+        <a:font script="Geor" typeface="Sylfaen"/>
+        <a:font script="Armn" typeface="Arial"/>
+        <a:font script="Bugi" typeface="Leelawadee UI"/>
+        <a:font script="Bopo" typeface="Microsoft JhengHei"/>
+        <a:font script="Java" typeface="Javanese Text"/>
+        <a:font script="Lisu" typeface="Segoe UI"/>
+        <a:font script="Mymr" typeface="Myanmar Text"/>
+        <a:font script="Nkoo" typeface="Ebrima"/>
+        <a:font script="Olck" typeface="Nirmala UI"/>
+        <a:font script="Osma" typeface="Ebrima"/>
+        <a:font script="Phag" typeface="Phagspa"/>
+        <a:font script="Syrn" typeface="Estrangelo Edessa"/>
+        <a:font script="Syrj" typeface="Estrangelo Edessa"/>
+        <a:font script="Syre" typeface="Estrangelo Edessa"/>
+        <a:font script="Sora" typeface="Nirmala UI"/>
+        <a:font script="Tale" typeface="Microsoft Tai Le"/>
+        <a:font script="Talu" typeface="Microsoft New Tai Lue"/>
+        <a:font script="Tfng" typeface="Ebrima"/>
       </a:majorFont>
       <a:minorFont>
-        <a:latin typeface="Bierstadt"/>
+        <a:latin typeface="Aptos" panose="02110004020202020204"/>
         <a:ea typeface=""/>
         <a:cs typeface=""/>
+        <a:font script="Jpan" typeface="游ゴシック"/>
+        <a:font script="Hang" typeface="맑은 고딕"/>
+        <a:font script="Hans" typeface="等线"/>
+        <a:font script="Hant" typeface="新細明體"/>
+        <a:font script="Arab" typeface="Arial"/>
+        <a:font script="Hebr" typeface="Arial"/>
+        <a:font script="Thai" typeface="Cordia New"/>
+        <a:font script="Ethi" typeface="Nyala"/>
+        <a:font script="Beng" typeface="Vrinda"/>
+        <a:font script="Gujr" typeface="Shruti"/>
+        <a:font script="Khmr" typeface="DaunPenh"/>
+        <a:font script="Knda" typeface="Tunga"/>
+        <a:font script="Guru" typeface="Raavi"/>
+        <a:font script="Cans" typeface="Euphemia"/>
+        <a:font script="Cher" typeface="Plantagenet Cherokee"/>
+        <a:font script="Yiii" typeface="Microsoft Yi Baiti"/>
+        <a:font script="Tibt" typeface="Microsoft Himalaya"/>
+        <a:font script="Thaa" typeface="MV Boli"/>
+        <a:font script="Deva" typeface="Mangal"/>
+        <a:font script="Telu" typeface="Gautami"/>
+        <a:font script="Taml" typeface="Latha"/>
+        <a:font script="Syrc" typeface="Estrangelo Edessa"/>
+        <a:font script="Orya" typeface="Kalinga"/>
+        <a:font script="Mlym" typeface="Kartika"/>
+        <a:font script="Laoo" typeface="DokChampa"/>
+        <a:font script="Sinh" typeface="Iskoola Pota"/>
+        <a:font script="Mong" typeface="Mongolian Baiti"/>
+        <a:font script="Viet" typeface="Arial"/>
+        <a:font script="Uigh" typeface="Microsoft Uighur"/>
+        <a:font script="Geor" typeface="Sylfaen"/>
+        <a:font script="Armn" typeface="Arial"/>
+        <a:font script="Bugi" typeface="Leelawadee UI"/>
+        <a:font script="Bopo" typeface="Microsoft JhengHei"/>
+        <a:font script="Java" typeface="Javanese Text"/>
+        <a:font script="Lisu" typeface="Segoe UI"/>
+        <a:font script="Mymr" typeface="Myanmar Text"/>
+        <a:font script="Nkoo" typeface="Ebrima"/>
+        <a:font script="Olck" typeface="Nirmala UI"/>
+        <a:font script="Osma" typeface="Ebrima"/>
+        <a:font script="Phag" typeface="Phagspa"/>
+        <a:font script="Syrn" typeface="Estrangelo Edessa"/>
+        <a:font script="Syrj" typeface="Estrangelo Edessa"/>
+        <a:font script="Syre" typeface="Estrangelo Edessa"/>
+        <a:font script="Sora" typeface="Nirmala UI"/>
+        <a:font script="Tale" typeface="Microsoft Tai Le"/>
+        <a:font script="Talu" typeface="Microsoft New Tai Lue"/>
+        <a:font script="Tfng" typeface="Ebrima"/>
       </a:minorFont>
     </a:fontScheme>
     <a:fmtScheme name="Office">
@@ -4376,7 +4494,7 @@
   <a:extraClrSchemeLst/>
   <a:extLst>
     <a:ext uri="{05A4C25C-085E-4340-85A3-A5531E510DB2}">
-      <thm15:themeFamily xmlns:thm15="http://schemas.microsoft.com/office/thememl/2012/main" name="GestaltVTI" id="{4F87C71D-53D1-4B71-BF97-FD0EA4B25665}" vid="{A110AFC4-8D8A-4C02-8885-7BA370B379B5}"/>
+      <thm15:themeFamily xmlns:thm15="http://schemas.microsoft.com/office/thememl/2012/main" name="Office Theme" id="{2E142A2C-CD16-42D6-873A-C26D2A0506FA}" vid="{1BDDFF52-6CD6-40A5-AB3C-68EB2F1E4D0A}"/>
     </a:ext>
   </a:extLst>
 </a:theme>
